--- a/Monte Carlo Simulation training - DDSC Logo.pptx
+++ b/Monte Carlo Simulation training - DDSC Logo.pptx
@@ -5,7 +5,7 @@
     <p:sldMasterId id="2147483660" r:id="rId1"/>
   </p:sldMasterIdLst>
   <p:notesMasterIdLst>
-    <p:notesMasterId r:id="rId16"/>
+    <p:notesMasterId r:id="rId17"/>
   </p:notesMasterIdLst>
   <p:sldIdLst>
     <p:sldId id="256" r:id="rId2"/>
@@ -20,8 +20,9 @@
     <p:sldId id="261" r:id="rId11"/>
     <p:sldId id="262" r:id="rId12"/>
     <p:sldId id="263" r:id="rId13"/>
-    <p:sldId id="264" r:id="rId14"/>
-    <p:sldId id="270" r:id="rId15"/>
+    <p:sldId id="274" r:id="rId14"/>
+    <p:sldId id="264" r:id="rId15"/>
+    <p:sldId id="270" r:id="rId16"/>
   </p:sldIdLst>
   <p:sldSz cx="12192000" cy="6858000"/>
   <p:notesSz cx="6858000" cy="9144000"/>
@@ -213,7 +214,7 @@
           <a:p>
             <a:fld id="{A301059F-F6A1-49DE-81CB-17DC11A7EB41}" type="datetimeFigureOut">
               <a:rPr lang="en-US" smtClean="0"/>
-              <a:t>6/25/2021</a:t>
+              <a:t>6/28/2021</a:t>
             </a:fld>
             <a:endParaRPr lang="en-US"/>
           </a:p>
@@ -655,6 +656,107 @@
     </p:spTree>
     <p:extLst>
       <p:ext uri="{BB962C8B-B14F-4D97-AF65-F5344CB8AC3E}">
+        <p14:creationId xmlns:p14="http://schemas.microsoft.com/office/powerpoint/2010/main" val="863394907"/>
+      </p:ext>
+    </p:extLst>
+  </p:cSld>
+  <p:clrMapOvr>
+    <a:masterClrMapping/>
+  </p:clrMapOvr>
+</p:notes>
+</file>
+
+<file path=ppt/notesSlides/notesSlide11.xml><?xml version="1.0" encoding="utf-8"?>
+<p:notes xmlns:a="http://schemas.openxmlformats.org/drawingml/2006/main" xmlns:r="http://schemas.openxmlformats.org/officeDocument/2006/relationships" xmlns:p="http://schemas.openxmlformats.org/presentationml/2006/main">
+  <p:cSld>
+    <p:spTree>
+      <p:nvGrpSpPr>
+        <p:cNvPr id="1" name=""/>
+        <p:cNvGrpSpPr/>
+        <p:nvPr/>
+      </p:nvGrpSpPr>
+      <p:grpSpPr>
+        <a:xfrm>
+          <a:off x="0" y="0"/>
+          <a:ext cx="0" cy="0"/>
+          <a:chOff x="0" y="0"/>
+          <a:chExt cx="0" cy="0"/>
+        </a:xfrm>
+      </p:grpSpPr>
+      <p:sp>
+        <p:nvSpPr>
+          <p:cNvPr id="2" name="Slide Image Placeholder 1"/>
+          <p:cNvSpPr>
+            <a:spLocks noGrp="1" noRot="1" noChangeAspect="1"/>
+          </p:cNvSpPr>
+          <p:nvPr>
+            <p:ph type="sldImg"/>
+          </p:nvPr>
+        </p:nvSpPr>
+        <p:spPr/>
+      </p:sp>
+      <p:sp>
+        <p:nvSpPr>
+          <p:cNvPr id="3" name="Notes Placeholder 2"/>
+          <p:cNvSpPr>
+            <a:spLocks noGrp="1"/>
+          </p:cNvSpPr>
+          <p:nvPr>
+            <p:ph type="body" idx="1"/>
+          </p:nvPr>
+        </p:nvSpPr>
+        <p:spPr/>
+        <p:txBody>
+          <a:bodyPr/>
+          <a:lstStyle/>
+          <a:p>
+            <a:pPr marL="0" marR="0" lvl="0" indent="0" algn="l" defTabSz="914400" rtl="0" eaLnBrk="1" fontAlgn="auto" latinLnBrk="0" hangingPunct="1">
+              <a:lnSpc>
+                <a:spcPct val="100000"/>
+              </a:lnSpc>
+              <a:spcBef>
+                <a:spcPts val="0"/>
+              </a:spcBef>
+              <a:spcAft>
+                <a:spcPts val="0"/>
+              </a:spcAft>
+              <a:buClrTx/>
+              <a:buSzTx/>
+              <a:buFontTx/>
+              <a:buNone/>
+              <a:tabLst/>
+              <a:defRPr/>
+            </a:pPr>
+            <a:endParaRPr lang="en-US" dirty="0"/>
+          </a:p>
+        </p:txBody>
+      </p:sp>
+      <p:sp>
+        <p:nvSpPr>
+          <p:cNvPr id="5" name="Slide Number Placeholder 4"/>
+          <p:cNvSpPr>
+            <a:spLocks noGrp="1"/>
+          </p:cNvSpPr>
+          <p:nvPr>
+            <p:ph type="sldNum" sz="quarter" idx="11"/>
+          </p:nvPr>
+        </p:nvSpPr>
+        <p:spPr/>
+        <p:txBody>
+          <a:bodyPr/>
+          <a:lstStyle/>
+          <a:p>
+            <a:fld id="{79B6397B-6449-451F-879A-ACC313C801FA}" type="slidenum">
+              <a:rPr lang="en-US" smtClean="0"/>
+              <a:t>14</a:t>
+            </a:fld>
+            <a:endParaRPr lang="en-US"/>
+          </a:p>
+        </p:txBody>
+      </p:sp>
+    </p:spTree>
+    <p:extLst>
+      <p:ext uri="{BB962C8B-B14F-4D97-AF65-F5344CB8AC3E}">
         <p14:creationId xmlns:p14="http://schemas.microsoft.com/office/powerpoint/2010/main" val="1867074664"/>
       </p:ext>
     </p:extLst>
@@ -1993,7 +2095,7 @@
           <a:p>
             <a:fld id="{F459E91C-B96F-4DF1-B60D-94E28018396F}" type="datetimeFigureOut">
               <a:rPr lang="en-US" smtClean="0"/>
-              <a:t>6/25/2021</a:t>
+              <a:t>6/28/2021</a:t>
             </a:fld>
             <a:endParaRPr lang="en-US"/>
           </a:p>
@@ -2172,7 +2274,7 @@
           <a:p>
             <a:fld id="{F459E91C-B96F-4DF1-B60D-94E28018396F}" type="datetimeFigureOut">
               <a:rPr lang="en-US" smtClean="0"/>
-              <a:t>6/25/2021</a:t>
+              <a:t>6/28/2021</a:t>
             </a:fld>
             <a:endParaRPr lang="en-US"/>
           </a:p>
@@ -2352,7 +2454,7 @@
           <a:p>
             <a:fld id="{F459E91C-B96F-4DF1-B60D-94E28018396F}" type="datetimeFigureOut">
               <a:rPr lang="en-US" smtClean="0"/>
-              <a:t>6/25/2021</a:t>
+              <a:t>6/28/2021</a:t>
             </a:fld>
             <a:endParaRPr lang="en-US"/>
           </a:p>
@@ -2522,7 +2624,7 @@
           <a:p>
             <a:fld id="{F459E91C-B96F-4DF1-B60D-94E28018396F}" type="datetimeFigureOut">
               <a:rPr lang="en-US" smtClean="0"/>
-              <a:t>6/25/2021</a:t>
+              <a:t>6/28/2021</a:t>
             </a:fld>
             <a:endParaRPr lang="en-US"/>
           </a:p>
@@ -2835,7 +2937,7 @@
           <a:p>
             <a:fld id="{F459E91C-B96F-4DF1-B60D-94E28018396F}" type="datetimeFigureOut">
               <a:rPr lang="en-US" smtClean="0"/>
-              <a:t>6/25/2021</a:t>
+              <a:t>6/28/2021</a:t>
             </a:fld>
             <a:endParaRPr lang="en-US"/>
           </a:p>
@@ -3221,7 +3323,7 @@
           <a:p>
             <a:fld id="{F459E91C-B96F-4DF1-B60D-94E28018396F}" type="datetimeFigureOut">
               <a:rPr lang="en-US" smtClean="0"/>
-              <a:t>6/25/2021</a:t>
+              <a:t>6/28/2021</a:t>
             </a:fld>
             <a:endParaRPr lang="en-US"/>
           </a:p>
@@ -3655,7 +3757,7 @@
           <a:p>
             <a:fld id="{F459E91C-B96F-4DF1-B60D-94E28018396F}" type="datetimeFigureOut">
               <a:rPr lang="en-US" smtClean="0"/>
-              <a:t>6/25/2021</a:t>
+              <a:t>6/28/2021</a:t>
             </a:fld>
             <a:endParaRPr lang="en-US"/>
           </a:p>
@@ -3773,7 +3875,7 @@
           <a:p>
             <a:fld id="{F459E91C-B96F-4DF1-B60D-94E28018396F}" type="datetimeFigureOut">
               <a:rPr lang="en-US" smtClean="0"/>
-              <a:t>6/25/2021</a:t>
+              <a:t>6/28/2021</a:t>
             </a:fld>
             <a:endParaRPr lang="en-US"/>
           </a:p>
@@ -3868,7 +3970,7 @@
           <a:p>
             <a:fld id="{F459E91C-B96F-4DF1-B60D-94E28018396F}" type="datetimeFigureOut">
               <a:rPr lang="en-US" smtClean="0"/>
-              <a:t>6/25/2021</a:t>
+              <a:t>6/28/2021</a:t>
             </a:fld>
             <a:endParaRPr lang="en-US"/>
           </a:p>
@@ -4218,7 +4320,7 @@
           <a:p>
             <a:fld id="{F459E91C-B96F-4DF1-B60D-94E28018396F}" type="datetimeFigureOut">
               <a:rPr lang="en-US" smtClean="0"/>
-              <a:t>6/25/2021</a:t>
+              <a:t>6/28/2021</a:t>
             </a:fld>
             <a:endParaRPr lang="en-US"/>
           </a:p>
@@ -4643,7 +4745,7 @@
           <a:p>
             <a:fld id="{F459E91C-B96F-4DF1-B60D-94E28018396F}" type="datetimeFigureOut">
               <a:rPr lang="en-US" smtClean="0"/>
-              <a:t>6/25/2021</a:t>
+              <a:t>6/28/2021</a:t>
             </a:fld>
             <a:endParaRPr lang="en-US"/>
           </a:p>
@@ -4924,7 +5026,7 @@
           <a:p>
             <a:fld id="{F459E91C-B96F-4DF1-B60D-94E28018396F}" type="datetimeFigureOut">
               <a:rPr lang="en-US" smtClean="0"/>
-              <a:t>6/25/2021</a:t>
+              <a:t>6/28/2021</a:t>
             </a:fld>
             <a:endParaRPr lang="en-US"/>
           </a:p>
@@ -5846,8 +5948,8 @@
         </p:nvSpPr>
         <p:spPr>
           <a:xfrm>
-            <a:off x="8200102" y="1432223"/>
-            <a:ext cx="2818417" cy="3357976"/>
+            <a:off x="7992836" y="1432223"/>
+            <a:ext cx="3025683" cy="3357976"/>
           </a:xfrm>
         </p:spPr>
         <p:txBody>
@@ -5856,13 +5958,6 @@
           </a:bodyPr>
           <a:lstStyle/>
           <a:p>
-            <a:r>
-              <a:rPr lang="en-US" sz="3800" dirty="0"/>
-              <a:t>“The Flaw of Averages” and </a:t>
-            </a:r>
-            <a:br>
-              <a:rPr lang="en-US" sz="3800" dirty="0"/>
-            </a:br>
             <a:r>
               <a:rPr lang="en-US" sz="3800" dirty="0"/>
               <a:t>Introduction to Monte Carlo Simulation Using Shiny</a:t>
@@ -6287,7 +6382,7 @@
         </p:spPr>
         <p:txBody>
           <a:bodyPr>
-            <a:normAutofit/>
+            <a:normAutofit lnSpcReduction="10000"/>
           </a:bodyPr>
           <a:lstStyle/>
           <a:p>
@@ -6313,6 +6408,15 @@
               <a:rPr lang="en-US" dirty="0"/>
               <a:t>Fourth simulation: Bob’s commute was horrid.  We missed our table.</a:t>
             </a:r>
+          </a:p>
+          <a:p>
+            <a:r>
+              <a:rPr lang="en-US" sz="2000" dirty="0"/>
+              <a:t>https://datadrivensupplychain.shinyapps.io/restaurant_sim_app/</a:t>
+            </a:r>
+          </a:p>
+          <a:p>
+            <a:endParaRPr lang="en-US" dirty="0"/>
           </a:p>
         </p:txBody>
       </p:sp>
@@ -6449,7 +6553,7 @@
           <a:p>
             <a:r>
               <a:rPr lang="en-US" dirty="0"/>
-              <a:t>Rinse and Repeat 20,000 Times…</a:t>
+              <a:t>Rinse and Repeat 10,000 Times…</a:t>
             </a:r>
           </a:p>
         </p:txBody>
@@ -6481,14 +6585,20 @@
             </a:pPr>
             <a:r>
               <a:rPr lang="en-US" sz="3200" dirty="0"/>
-              <a:t>We missed our reservation about half the time, by planning based upon the average</a:t>
+              <a:t>We missed our reservation more than half the time, by planning based upon the average</a:t>
             </a:r>
           </a:p>
         </p:txBody>
       </p:sp>
       <p:pic>
         <p:nvPicPr>
-          <p:cNvPr id="5" name="Picture 4"/>
+          <p:cNvPr id="6" name="Picture 5">
+            <a:extLst>
+              <a:ext uri="{FF2B5EF4-FFF2-40B4-BE49-F238E27FC236}">
+                <a16:creationId xmlns:a16="http://schemas.microsoft.com/office/drawing/2014/main" id="{076B627F-B5B4-4B44-B906-A5492B3303A4}"/>
+              </a:ext>
+            </a:extLst>
+          </p:cNvPr>
           <p:cNvPicPr>
             <a:picLocks noChangeAspect="1"/>
           </p:cNvPicPr>
@@ -6502,14 +6612,49 @@
         </p:blipFill>
         <p:spPr>
           <a:xfrm>
-            <a:off x="478824" y="3272289"/>
-            <a:ext cx="11165997" cy="2652502"/>
+            <a:off x="159092" y="3036667"/>
+            <a:ext cx="11317048" cy="2743348"/>
           </a:xfrm>
           <a:prstGeom prst="rect">
             <a:avLst/>
           </a:prstGeom>
         </p:spPr>
       </p:pic>
+      <p:sp>
+        <p:nvSpPr>
+          <p:cNvPr id="9" name="TextBox 8">
+            <a:extLst>
+              <a:ext uri="{FF2B5EF4-FFF2-40B4-BE49-F238E27FC236}">
+                <a16:creationId xmlns:a16="http://schemas.microsoft.com/office/drawing/2014/main" id="{EB81E6E9-83B7-4E82-8E9B-138C7F48B501}"/>
+              </a:ext>
+            </a:extLst>
+          </p:cNvPr>
+          <p:cNvSpPr txBox="1"/>
+          <p:nvPr/>
+        </p:nvSpPr>
+        <p:spPr>
+          <a:xfrm>
+            <a:off x="771287" y="6211669"/>
+            <a:ext cx="7554243" cy="369332"/>
+          </a:xfrm>
+          <a:prstGeom prst="rect">
+            <a:avLst/>
+          </a:prstGeom>
+          <a:noFill/>
+        </p:spPr>
+        <p:txBody>
+          <a:bodyPr wrap="square">
+            <a:spAutoFit/>
+          </a:bodyPr>
+          <a:lstStyle/>
+          <a:p>
+            <a:r>
+              <a:rPr lang="en-US" sz="1800" dirty="0"/>
+              <a:t>https://datadrivensupplychain.shinyapps.io/restaurant_sim_app/</a:t>
+            </a:r>
+          </a:p>
+        </p:txBody>
+      </p:sp>
     </p:spTree>
     <p:extLst>
       <p:ext uri="{BB962C8B-B14F-4D97-AF65-F5344CB8AC3E}">
@@ -6557,7 +6702,7 @@
           <a:p>
             <a:r>
               <a:rPr lang="en-US" dirty="0"/>
-              <a:t>Rinse and Repeat 20,000 Times…</a:t>
+              <a:t>Rinse and Repeat 10,000 Times…</a:t>
             </a:r>
           </a:p>
         </p:txBody>
@@ -6574,13 +6719,13 @@
         </p:nvSpPr>
         <p:spPr>
           <a:xfrm>
-            <a:off x="398207" y="1841188"/>
-            <a:ext cx="10723946" cy="4648102"/>
+            <a:off x="81643" y="1841188"/>
+            <a:ext cx="11040510" cy="4648102"/>
           </a:xfrm>
         </p:spPr>
         <p:txBody>
           <a:bodyPr>
-            <a:normAutofit fontScale="92500"/>
+            <a:normAutofit fontScale="70000" lnSpcReduction="20000"/>
           </a:bodyPr>
           <a:lstStyle/>
           <a:p>
@@ -6589,7 +6734,7 @@
             </a:pPr>
             <a:r>
               <a:rPr lang="en-US" sz="4000" dirty="0"/>
-              <a:t>Work from Shiny app… how does the probability of making it on time change?</a:t>
+              <a:t>Open Discussion, Work From App:</a:t>
             </a:r>
           </a:p>
           <a:p>
@@ -6599,41 +6744,61 @@
             <a:endParaRPr lang="en-US" sz="4000" dirty="0"/>
           </a:p>
           <a:p>
-            <a:r>
-              <a:rPr lang="en-US" sz="4000" dirty="0"/>
-              <a:t>Leave the office earlier (5:15pm)</a:t>
-            </a:r>
-          </a:p>
-          <a:p>
-            <a:r>
-              <a:rPr lang="en-US" sz="4000" dirty="0"/>
-              <a:t>More predictable commute (</a:t>
-            </a:r>
-            <a:r>
-              <a:rPr lang="en-US" sz="4000" dirty="0" err="1"/>
-              <a:t>sd</a:t>
-            </a:r>
-            <a:r>
-              <a:rPr lang="en-US" sz="4000" dirty="0"/>
-              <a:t>=3 instead of 10)</a:t>
-            </a:r>
-          </a:p>
-          <a:p>
-            <a:pPr lvl="1"/>
-            <a:r>
-              <a:rPr lang="en-US" sz="3200" dirty="0"/>
-              <a:t>Average commute time stays at 30 minutes but range gets smaller, making it more predictable and closer to the “expected” result</a:t>
-            </a:r>
-          </a:p>
-          <a:p>
-            <a:pPr lvl="1"/>
-            <a:endParaRPr lang="en-US" sz="4800" dirty="0"/>
-          </a:p>
-          <a:p>
-            <a:pPr marL="457200" lvl="1" indent="0">
+            <a:pPr marL="0" indent="0">
               <a:buNone/>
             </a:pPr>
-            <a:endParaRPr lang="en-US" sz="4800" dirty="0"/>
+            <a:r>
+              <a:rPr lang="en-US" sz="4000" dirty="0"/>
+              <a:t>What are the things we can do to make it more likely that we’ll arrive on time?</a:t>
+            </a:r>
+          </a:p>
+          <a:p>
+            <a:pPr marL="0" indent="0">
+              <a:buNone/>
+            </a:pPr>
+            <a:endParaRPr lang="en-US" sz="4000" dirty="0"/>
+          </a:p>
+          <a:p>
+            <a:pPr marL="0" indent="0">
+              <a:buNone/>
+            </a:pPr>
+            <a:r>
+              <a:rPr lang="en-US" sz="4000" dirty="0"/>
+              <a:t>Under what circumstances is it better to be early?  Under what circumstances is it better to be late?  What is the magnitude of the impact of being 5mins early vs 5mins late? What about 10mins early vs 10mins late?</a:t>
+            </a:r>
+          </a:p>
+          <a:p>
+            <a:pPr marL="0" indent="0">
+              <a:buNone/>
+            </a:pPr>
+            <a:endParaRPr lang="en-US" sz="4000" dirty="0"/>
+          </a:p>
+          <a:p>
+            <a:pPr marL="0" indent="0">
+              <a:buNone/>
+            </a:pPr>
+            <a:r>
+              <a:rPr lang="en-US" sz="4000" dirty="0"/>
+              <a:t>https://datadrivensupplychain.shinyapps.io/restaurant_sim_app/</a:t>
+            </a:r>
+          </a:p>
+          <a:p>
+            <a:pPr marL="0" indent="0">
+              <a:buNone/>
+            </a:pPr>
+            <a:endParaRPr lang="en-US" sz="4000" dirty="0"/>
+          </a:p>
+          <a:p>
+            <a:pPr marL="0" indent="0">
+              <a:buNone/>
+            </a:pPr>
+            <a:endParaRPr lang="en-US" sz="4800" b="1" i="1" dirty="0"/>
+          </a:p>
+          <a:p>
+            <a:pPr marL="0" indent="0">
+              <a:buNone/>
+            </a:pPr>
+            <a:endParaRPr lang="en-US" sz="4000" b="1" i="1" dirty="0"/>
           </a:p>
         </p:txBody>
       </p:sp>
@@ -6684,6 +6849,105 @@
           <a:p>
             <a:r>
               <a:rPr lang="en-US" dirty="0"/>
+              <a:t>Rinse and Repeat 10,000 Times…</a:t>
+            </a:r>
+          </a:p>
+        </p:txBody>
+      </p:sp>
+      <p:sp>
+        <p:nvSpPr>
+          <p:cNvPr id="3" name="Content Placeholder 2"/>
+          <p:cNvSpPr>
+            <a:spLocks noGrp="1"/>
+          </p:cNvSpPr>
+          <p:nvPr>
+            <p:ph idx="1"/>
+          </p:nvPr>
+        </p:nvSpPr>
+        <p:spPr>
+          <a:xfrm>
+            <a:off x="398207" y="1841188"/>
+            <a:ext cx="10723946" cy="4648102"/>
+          </a:xfrm>
+        </p:spPr>
+        <p:txBody>
+          <a:bodyPr>
+            <a:normAutofit/>
+          </a:bodyPr>
+          <a:lstStyle/>
+          <a:p>
+            <a:r>
+              <a:rPr lang="en-US" sz="6000" b="1" i="1" dirty="0"/>
+              <a:t>What is unrealistic about this simulation?</a:t>
+            </a:r>
+            <a:endParaRPr lang="en-US" sz="4800" b="1" i="1" dirty="0"/>
+          </a:p>
+          <a:p>
+            <a:pPr lvl="2"/>
+            <a:r>
+              <a:rPr lang="en-US" sz="4400" dirty="0"/>
+              <a:t>Problem Definition, Talking Through Details Are Key…</a:t>
+            </a:r>
+          </a:p>
+          <a:p>
+            <a:pPr lvl="1"/>
+            <a:endParaRPr lang="en-US" sz="7200" dirty="0"/>
+          </a:p>
+          <a:p>
+            <a:pPr marL="457200" lvl="1" indent="0">
+              <a:buNone/>
+            </a:pPr>
+            <a:endParaRPr lang="en-US" sz="7200" dirty="0"/>
+          </a:p>
+        </p:txBody>
+      </p:sp>
+    </p:spTree>
+    <p:extLst>
+      <p:ext uri="{BB962C8B-B14F-4D97-AF65-F5344CB8AC3E}">
+        <p14:creationId xmlns:p14="http://schemas.microsoft.com/office/powerpoint/2010/main" val="2111726752"/>
+      </p:ext>
+    </p:extLst>
+  </p:cSld>
+  <p:clrMapOvr>
+    <a:masterClrMapping/>
+  </p:clrMapOvr>
+</p:sld>
+</file>
+
+<file path=ppt/slides/slide14.xml><?xml version="1.0" encoding="utf-8"?>
+<p:sld xmlns:a="http://schemas.openxmlformats.org/drawingml/2006/main" xmlns:r="http://schemas.openxmlformats.org/officeDocument/2006/relationships" xmlns:p="http://schemas.openxmlformats.org/presentationml/2006/main">
+  <p:cSld>
+    <p:spTree>
+      <p:nvGrpSpPr>
+        <p:cNvPr id="1" name=""/>
+        <p:cNvGrpSpPr/>
+        <p:nvPr/>
+      </p:nvGrpSpPr>
+      <p:grpSpPr>
+        <a:xfrm>
+          <a:off x="0" y="0"/>
+          <a:ext cx="0" cy="0"/>
+          <a:chOff x="0" y="0"/>
+          <a:chExt cx="0" cy="0"/>
+        </a:xfrm>
+      </p:grpSpPr>
+      <p:sp>
+        <p:nvSpPr>
+          <p:cNvPr id="4" name="Title 3"/>
+          <p:cNvSpPr>
+            <a:spLocks noGrp="1"/>
+          </p:cNvSpPr>
+          <p:nvPr>
+            <p:ph type="title"/>
+          </p:nvPr>
+        </p:nvSpPr>
+        <p:spPr/>
+        <p:txBody>
+          <a:bodyPr/>
+          <a:lstStyle/>
+          <a:p>
+            <a:r>
+              <a:rPr lang="en-US" dirty="0"/>
               <a:t>Takeaways</a:t>
             </a:r>
           </a:p>
@@ -6761,7 +7025,7 @@
 </p:sld>
 </file>
 
-<file path=ppt/slides/slide14.xml><?xml version="1.0" encoding="utf-8"?>
+<file path=ppt/slides/slide15.xml><?xml version="1.0" encoding="utf-8"?>
 <p:sld xmlns:a="http://schemas.openxmlformats.org/drawingml/2006/main" xmlns:r="http://schemas.openxmlformats.org/officeDocument/2006/relationships" xmlns:p="http://schemas.openxmlformats.org/presentationml/2006/main">
   <p:cSld>
     <p:bg>
@@ -7324,6 +7588,20 @@
             <a:r>
               <a:rPr lang="en-US" dirty="0"/>
               <a:t>Supply Chain + Artificial Intelligence, For Your Organization</a:t>
+            </a:r>
+          </a:p>
+          <a:p>
+            <a:pPr lvl="1"/>
+            <a:r>
+              <a:rPr lang="en-US" dirty="0"/>
+              <a:t>Consulting &amp; Corporate Training in Supply Chain Analytics &amp; AI</a:t>
+            </a:r>
+          </a:p>
+          <a:p>
+            <a:pPr lvl="1"/>
+            <a:r>
+              <a:rPr lang="en-US" dirty="0"/>
+              <a:t>www.datadrivensupplychain.com</a:t>
             </a:r>
           </a:p>
           <a:p>
@@ -7615,7 +7893,7 @@
           <a:p>
             <a:r>
               <a:rPr lang="en-US" dirty="0"/>
-              <a:t>Purpose of This Talk</a:t>
+              <a:t>Agenda</a:t>
             </a:r>
           </a:p>
         </p:txBody>
@@ -7633,7 +7911,7 @@
         <p:spPr/>
         <p:txBody>
           <a:bodyPr>
-            <a:normAutofit fontScale="92500" lnSpcReduction="10000"/>
+            <a:normAutofit fontScale="77500" lnSpcReduction="20000"/>
           </a:bodyPr>
           <a:lstStyle/>
           <a:p>
@@ -7671,6 +7949,16 @@
               <a:rPr lang="en-US" sz="2800" dirty="0"/>
               <a:t>Using Shiny for interactive Monte Carlo Simulation</a:t>
             </a:r>
+          </a:p>
+          <a:p>
+            <a:endParaRPr lang="en-US" sz="2800" dirty="0"/>
+          </a:p>
+          <a:p>
+            <a:r>
+              <a:rPr lang="en-US" sz="2800" dirty="0"/>
+              <a:t>Open Discussion</a:t>
+            </a:r>
+            <a:endParaRPr lang="en-US" sz="2600" dirty="0"/>
           </a:p>
           <a:p>
             <a:endParaRPr lang="en-US" sz="2800" dirty="0"/>
@@ -7913,7 +8201,12 @@
             <p:ph type="title"/>
           </p:nvPr>
         </p:nvSpPr>
-        <p:spPr/>
+        <p:spPr>
+          <a:xfrm>
+            <a:off x="318733" y="378496"/>
+            <a:ext cx="10058400" cy="1609344"/>
+          </a:xfrm>
+        </p:spPr>
         <p:txBody>
           <a:bodyPr/>
           <a:lstStyle/>
@@ -7966,13 +8259,6 @@
             <a:r>
               <a:rPr lang="en-US" dirty="0"/>
               <a:t>Popularized by Dr. Sam Savage in 2002 Harvard Business Review article, and subsequent book</a:t>
-            </a:r>
-          </a:p>
-          <a:p>
-            <a:pPr lvl="1"/>
-            <a:r>
-              <a:rPr lang="en-US" dirty="0"/>
-              <a:t>Spoilage and Out of Stocks vs. “Average” Demand</a:t>
             </a:r>
           </a:p>
           <a:p>
@@ -8079,7 +8365,12 @@
             <p:ph type="title"/>
           </p:nvPr>
         </p:nvSpPr>
-        <p:spPr/>
+        <p:spPr>
+          <a:xfrm>
+            <a:off x="245255" y="500960"/>
+            <a:ext cx="10058400" cy="1609344"/>
+          </a:xfrm>
+        </p:spPr>
         <p:txBody>
           <a:bodyPr/>
           <a:lstStyle/>
@@ -8103,8 +8394,8 @@
         </p:nvSpPr>
         <p:spPr>
           <a:xfrm>
-            <a:off x="435596" y="1700038"/>
-            <a:ext cx="11451604" cy="4886292"/>
+            <a:off x="155121" y="1700038"/>
+            <a:ext cx="11732079" cy="4886292"/>
           </a:xfrm>
         </p:spPr>
         <p:txBody>
@@ -8117,6 +8408,22 @@
               <a:rPr lang="en-US" dirty="0"/>
               <a:t>Analytical method that evaluates a lot of potential combinations of uncertain inputs – drawing from their range of possibilities – and calculates the overall outcome</a:t>
             </a:r>
+            <a:endParaRPr lang="en-US" b="1" i="1" dirty="0"/>
+          </a:p>
+          <a:p>
+            <a:r>
+              <a:rPr lang="en-US" b="1" i="1" dirty="0"/>
+              <a:t>If K = f(</a:t>
+            </a:r>
+            <a:r>
+              <a:rPr lang="en-US" b="1" i="1" dirty="0" err="1"/>
+              <a:t>x,y,z</a:t>
+            </a:r>
+            <a:r>
+              <a:rPr lang="en-US" b="1" i="1" dirty="0"/>
+              <a:t>), and x, y, and z are not single point values but distributions, what is the distribution of K? What are the real-world impacts of different segments of K’s distribution?</a:t>
+            </a:r>
+            <a:endParaRPr lang="en-US" dirty="0"/>
           </a:p>
           <a:p>
             <a:r>
@@ -8144,20 +8451,6 @@
           </a:p>
           <a:p>
             <a:endParaRPr lang="en-US" dirty="0"/>
-          </a:p>
-          <a:p>
-            <a:r>
-              <a:rPr lang="en-US" b="1" i="1" dirty="0"/>
-              <a:t>If K = f(</a:t>
-            </a:r>
-            <a:r>
-              <a:rPr lang="en-US" b="1" i="1" dirty="0" err="1"/>
-              <a:t>x,y,z</a:t>
-            </a:r>
-            <a:r>
-              <a:rPr lang="en-US" b="1" i="1" dirty="0"/>
-              <a:t>), and x, y, and z are not single point values but distributions, what is the distribution of K?  Monte Carlo Simulation can answer that.</a:t>
-            </a:r>
           </a:p>
           <a:p>
             <a:pPr marL="0" indent="0">
@@ -8210,7 +8503,12 @@
             <p:ph type="title"/>
           </p:nvPr>
         </p:nvSpPr>
-        <p:spPr/>
+        <p:spPr>
+          <a:xfrm>
+            <a:off x="152447" y="492797"/>
+            <a:ext cx="10058400" cy="1609344"/>
+          </a:xfrm>
+        </p:spPr>
         <p:txBody>
           <a:bodyPr/>
           <a:lstStyle/>
@@ -8422,8 +8720,8 @@
         </p:nvSpPr>
         <p:spPr>
           <a:xfrm>
-            <a:off x="217797" y="1609344"/>
-            <a:ext cx="11545840" cy="4552917"/>
+            <a:off x="81643" y="1609344"/>
+            <a:ext cx="11681994" cy="4552917"/>
           </a:xfrm>
         </p:spPr>
         <p:txBody>
@@ -8446,6 +8744,18 @@
               <a:rPr lang="en-US" sz="3600" b="1" i="1" dirty="0"/>
               <a:t>will we make it in time?</a:t>
             </a:r>
+          </a:p>
+          <a:p>
+            <a:endParaRPr lang="en-US" sz="3600" b="1" i="1" dirty="0"/>
+          </a:p>
+          <a:p>
+            <a:r>
+              <a:rPr lang="en-US" sz="2800" dirty="0"/>
+              <a:t>https://datadrivensupplychain.shinyapps.io/restaurant_sim_app/</a:t>
+            </a:r>
+          </a:p>
+          <a:p>
+            <a:endParaRPr lang="en-US" sz="3600" b="1" i="1" dirty="0"/>
           </a:p>
         </p:txBody>
       </p:sp>

--- a/Monte Carlo Simulation training - DDSC Logo.pptx
+++ b/Monte Carlo Simulation training - DDSC Logo.pptx
@@ -5,24 +5,25 @@
     <p:sldMasterId id="2147483660" r:id="rId1"/>
   </p:sldMasterIdLst>
   <p:notesMasterIdLst>
-    <p:notesMasterId r:id="rId17"/>
+    <p:notesMasterId r:id="rId18"/>
   </p:notesMasterIdLst>
   <p:sldIdLst>
     <p:sldId id="256" r:id="rId2"/>
     <p:sldId id="266" r:id="rId3"/>
     <p:sldId id="267" r:id="rId4"/>
-    <p:sldId id="268" r:id="rId5"/>
-    <p:sldId id="257" r:id="rId6"/>
-    <p:sldId id="258" r:id="rId7"/>
-    <p:sldId id="259" r:id="rId8"/>
-    <p:sldId id="260" r:id="rId9"/>
-    <p:sldId id="272" r:id="rId10"/>
-    <p:sldId id="261" r:id="rId11"/>
-    <p:sldId id="262" r:id="rId12"/>
-    <p:sldId id="263" r:id="rId13"/>
-    <p:sldId id="274" r:id="rId14"/>
-    <p:sldId id="264" r:id="rId15"/>
-    <p:sldId id="270" r:id="rId16"/>
+    <p:sldId id="257" r:id="rId5"/>
+    <p:sldId id="258" r:id="rId6"/>
+    <p:sldId id="259" r:id="rId7"/>
+    <p:sldId id="260" r:id="rId8"/>
+    <p:sldId id="277" r:id="rId9"/>
+    <p:sldId id="261" r:id="rId10"/>
+    <p:sldId id="262" r:id="rId11"/>
+    <p:sldId id="263" r:id="rId12"/>
+    <p:sldId id="274" r:id="rId13"/>
+    <p:sldId id="264" r:id="rId14"/>
+    <p:sldId id="270" r:id="rId15"/>
+    <p:sldId id="276" r:id="rId16"/>
+    <p:sldId id="275" r:id="rId17"/>
   </p:sldIdLst>
   <p:sldSz cx="12192000" cy="6858000"/>
   <p:notesSz cx="6858000" cy="9144000"/>
@@ -214,7 +215,7 @@
           <a:p>
             <a:fld id="{A301059F-F6A1-49DE-81CB-17DC11A7EB41}" type="datetimeFigureOut">
               <a:rPr lang="en-US" smtClean="0"/>
-              <a:t>6/28/2021</a:t>
+              <a:t>7/5/2021</a:t>
             </a:fld>
             <a:endParaRPr lang="en-US"/>
           </a:p>
@@ -647,7 +648,7 @@
           <a:p>
             <a:fld id="{79B6397B-6449-451F-879A-ACC313C801FA}" type="slidenum">
               <a:rPr lang="en-US" smtClean="0"/>
-              <a:t>13</a:t>
+              <a:t>12</a:t>
             </a:fld>
             <a:endParaRPr lang="en-US"/>
           </a:p>
@@ -748,7 +749,7 @@
           <a:p>
             <a:fld id="{79B6397B-6449-451F-879A-ACC313C801FA}" type="slidenum">
               <a:rPr lang="en-US" smtClean="0"/>
-              <a:t>14</a:t>
+              <a:t>13</a:t>
             </a:fld>
             <a:endParaRPr lang="en-US"/>
           </a:p>
@@ -847,7 +848,7 @@
           <a:p>
             <a:fld id="{79B6397B-6449-451F-879A-ACC313C801FA}" type="slidenum">
               <a:rPr lang="en-US" smtClean="0"/>
-              <a:t>5</a:t>
+              <a:t>4</a:t>
             </a:fld>
             <a:endParaRPr lang="en-US"/>
           </a:p>
@@ -951,7 +952,7 @@
           <a:p>
             <a:fld id="{79B6397B-6449-451F-879A-ACC313C801FA}" type="slidenum">
               <a:rPr lang="en-US" smtClean="0"/>
-              <a:t>6</a:t>
+              <a:t>5</a:t>
             </a:fld>
             <a:endParaRPr lang="en-US"/>
           </a:p>
@@ -1060,7 +1061,7 @@
           <a:p>
             <a:fld id="{79B6397B-6449-451F-879A-ACC313C801FA}" type="slidenum">
               <a:rPr lang="en-US" smtClean="0"/>
-              <a:t>7</a:t>
+              <a:t>6</a:t>
             </a:fld>
             <a:endParaRPr lang="en-US"/>
           </a:p>
@@ -1161,7 +1162,7 @@
           <a:p>
             <a:fld id="{79B6397B-6449-451F-879A-ACC313C801FA}" type="slidenum">
               <a:rPr lang="en-US" smtClean="0"/>
-              <a:t>8</a:t>
+              <a:t>7</a:t>
             </a:fld>
             <a:endParaRPr lang="en-US"/>
           </a:p>
@@ -1265,7 +1266,7 @@
           <a:p>
             <a:fld id="{79B6397B-6449-451F-879A-ACC313C801FA}" type="slidenum">
               <a:rPr lang="en-US" smtClean="0"/>
-              <a:t>9</a:t>
+              <a:t>8</a:t>
             </a:fld>
             <a:endParaRPr lang="en-US"/>
           </a:p>
@@ -1274,7 +1275,7 @@
     </p:spTree>
     <p:extLst>
       <p:ext uri="{BB962C8B-B14F-4D97-AF65-F5344CB8AC3E}">
-        <p14:creationId xmlns:p14="http://schemas.microsoft.com/office/powerpoint/2010/main" val="2186530206"/>
+        <p14:creationId xmlns:p14="http://schemas.microsoft.com/office/powerpoint/2010/main" val="3391342570"/>
       </p:ext>
     </p:extLst>
   </p:cSld>
@@ -1374,7 +1375,7 @@
           <a:p>
             <a:fld id="{79B6397B-6449-451F-879A-ACC313C801FA}" type="slidenum">
               <a:rPr lang="en-US" smtClean="0"/>
-              <a:t>10</a:t>
+              <a:t>9</a:t>
             </a:fld>
             <a:endParaRPr lang="en-US"/>
           </a:p>
@@ -1569,7 +1570,7 @@
           <a:p>
             <a:fld id="{79B6397B-6449-451F-879A-ACC313C801FA}" type="slidenum">
               <a:rPr lang="en-US" smtClean="0"/>
-              <a:t>11</a:t>
+              <a:t>10</a:t>
             </a:fld>
             <a:endParaRPr lang="en-US"/>
           </a:p>
@@ -1673,7 +1674,7 @@
           <a:p>
             <a:fld id="{79B6397B-6449-451F-879A-ACC313C801FA}" type="slidenum">
               <a:rPr lang="en-US" smtClean="0"/>
-              <a:t>12</a:t>
+              <a:t>11</a:t>
             </a:fld>
             <a:endParaRPr lang="en-US"/>
           </a:p>
@@ -2095,7 +2096,7 @@
           <a:p>
             <a:fld id="{F459E91C-B96F-4DF1-B60D-94E28018396F}" type="datetimeFigureOut">
               <a:rPr lang="en-US" smtClean="0"/>
-              <a:t>6/28/2021</a:t>
+              <a:t>7/5/2021</a:t>
             </a:fld>
             <a:endParaRPr lang="en-US"/>
           </a:p>
@@ -2274,7 +2275,7 @@
           <a:p>
             <a:fld id="{F459E91C-B96F-4DF1-B60D-94E28018396F}" type="datetimeFigureOut">
               <a:rPr lang="en-US" smtClean="0"/>
-              <a:t>6/28/2021</a:t>
+              <a:t>7/5/2021</a:t>
             </a:fld>
             <a:endParaRPr lang="en-US"/>
           </a:p>
@@ -2454,7 +2455,7 @@
           <a:p>
             <a:fld id="{F459E91C-B96F-4DF1-B60D-94E28018396F}" type="datetimeFigureOut">
               <a:rPr lang="en-US" smtClean="0"/>
-              <a:t>6/28/2021</a:t>
+              <a:t>7/5/2021</a:t>
             </a:fld>
             <a:endParaRPr lang="en-US"/>
           </a:p>
@@ -2624,7 +2625,7 @@
           <a:p>
             <a:fld id="{F459E91C-B96F-4DF1-B60D-94E28018396F}" type="datetimeFigureOut">
               <a:rPr lang="en-US" smtClean="0"/>
-              <a:t>6/28/2021</a:t>
+              <a:t>7/5/2021</a:t>
             </a:fld>
             <a:endParaRPr lang="en-US"/>
           </a:p>
@@ -2937,7 +2938,7 @@
           <a:p>
             <a:fld id="{F459E91C-B96F-4DF1-B60D-94E28018396F}" type="datetimeFigureOut">
               <a:rPr lang="en-US" smtClean="0"/>
-              <a:t>6/28/2021</a:t>
+              <a:t>7/5/2021</a:t>
             </a:fld>
             <a:endParaRPr lang="en-US"/>
           </a:p>
@@ -3323,7 +3324,7 @@
           <a:p>
             <a:fld id="{F459E91C-B96F-4DF1-B60D-94E28018396F}" type="datetimeFigureOut">
               <a:rPr lang="en-US" smtClean="0"/>
-              <a:t>6/28/2021</a:t>
+              <a:t>7/5/2021</a:t>
             </a:fld>
             <a:endParaRPr lang="en-US"/>
           </a:p>
@@ -3757,7 +3758,7 @@
           <a:p>
             <a:fld id="{F459E91C-B96F-4DF1-B60D-94E28018396F}" type="datetimeFigureOut">
               <a:rPr lang="en-US" smtClean="0"/>
-              <a:t>6/28/2021</a:t>
+              <a:t>7/5/2021</a:t>
             </a:fld>
             <a:endParaRPr lang="en-US"/>
           </a:p>
@@ -3875,7 +3876,7 @@
           <a:p>
             <a:fld id="{F459E91C-B96F-4DF1-B60D-94E28018396F}" type="datetimeFigureOut">
               <a:rPr lang="en-US" smtClean="0"/>
-              <a:t>6/28/2021</a:t>
+              <a:t>7/5/2021</a:t>
             </a:fld>
             <a:endParaRPr lang="en-US"/>
           </a:p>
@@ -3970,7 +3971,7 @@
           <a:p>
             <a:fld id="{F459E91C-B96F-4DF1-B60D-94E28018396F}" type="datetimeFigureOut">
               <a:rPr lang="en-US" smtClean="0"/>
-              <a:t>6/28/2021</a:t>
+              <a:t>7/5/2021</a:t>
             </a:fld>
             <a:endParaRPr lang="en-US"/>
           </a:p>
@@ -4320,7 +4321,7 @@
           <a:p>
             <a:fld id="{F459E91C-B96F-4DF1-B60D-94E28018396F}" type="datetimeFigureOut">
               <a:rPr lang="en-US" smtClean="0"/>
-              <a:t>6/28/2021</a:t>
+              <a:t>7/5/2021</a:t>
             </a:fld>
             <a:endParaRPr lang="en-US"/>
           </a:p>
@@ -4745,7 +4746,7 @@
           <a:p>
             <a:fld id="{F459E91C-B96F-4DF1-B60D-94E28018396F}" type="datetimeFigureOut">
               <a:rPr lang="en-US" smtClean="0"/>
-              <a:t>6/28/2021</a:t>
+              <a:t>7/5/2021</a:t>
             </a:fld>
             <a:endParaRPr lang="en-US"/>
           </a:p>
@@ -5026,7 +5027,7 @@
           <a:p>
             <a:fld id="{F459E91C-B96F-4DF1-B60D-94E28018396F}" type="datetimeFigureOut">
               <a:rPr lang="en-US" smtClean="0"/>
-              <a:t>6/28/2021</a:t>
+              <a:t>7/5/2021</a:t>
             </a:fld>
             <a:endParaRPr lang="en-US"/>
           </a:p>
@@ -6366,7 +6367,29 @@
       </p:grpSpPr>
       <p:sp>
         <p:nvSpPr>
-          <p:cNvPr id="2" name="Content Placeholder 1"/>
+          <p:cNvPr id="4" name="Title 3"/>
+          <p:cNvSpPr>
+            <a:spLocks noGrp="1"/>
+          </p:cNvSpPr>
+          <p:nvPr>
+            <p:ph type="title"/>
+          </p:nvPr>
+        </p:nvSpPr>
+        <p:spPr/>
+        <p:txBody>
+          <a:bodyPr/>
+          <a:lstStyle/>
+          <a:p>
+            <a:r>
+              <a:rPr lang="en-US" dirty="0"/>
+              <a:t>Rinse and Repeat 10,000 Times…</a:t>
+            </a:r>
+          </a:p>
+        </p:txBody>
+      </p:sp>
+      <p:sp>
+        <p:nvSpPr>
+          <p:cNvPr id="3" name="Content Placeholder 2"/>
           <p:cNvSpPr>
             <a:spLocks noGrp="1"/>
           </p:cNvSpPr>
@@ -6376,8 +6399,8 @@
         </p:nvSpPr>
         <p:spPr>
           <a:xfrm>
-            <a:off x="0" y="4442674"/>
-            <a:ext cx="11870267" cy="2415326"/>
+            <a:off x="771287" y="1902542"/>
+            <a:ext cx="10581069" cy="921774"/>
           </a:xfrm>
         </p:spPr>
         <p:txBody>
@@ -6386,43 +6409,25 @@
           </a:bodyPr>
           <a:lstStyle/>
           <a:p>
-            <a:r>
-              <a:rPr lang="en-US" dirty="0"/>
-              <a:t>First simulation: I get home at 6:01pm, Bob got home at 5:54pm.  When I got home at 6:01pm, we took about 10 minutes to walk to the restaurant… arrived 6:11pm.  Right on average!</a:t>
-            </a:r>
-          </a:p>
-          <a:p>
-            <a:r>
-              <a:rPr lang="en-US" dirty="0"/>
-              <a:t>Second simulation: we both have a really short commute, get there 13 minutes early!</a:t>
-            </a:r>
-          </a:p>
-          <a:p>
-            <a:r>
-              <a:rPr lang="en-US" dirty="0"/>
-              <a:t>Third simulation: Bob’s commute was a little longer than average, but we got there two minutes early….</a:t>
-            </a:r>
-          </a:p>
-          <a:p>
-            <a:r>
-              <a:rPr lang="en-US" dirty="0"/>
-              <a:t>Fourth simulation: Bob’s commute was horrid.  We missed our table.</a:t>
-            </a:r>
-          </a:p>
-          <a:p>
-            <a:r>
-              <a:rPr lang="en-US" sz="2000" dirty="0"/>
-              <a:t>https://datadrivensupplychain.shinyapps.io/restaurant_sim_app/</a:t>
-            </a:r>
-          </a:p>
-          <a:p>
-            <a:endParaRPr lang="en-US" dirty="0"/>
+            <a:pPr marL="0" indent="0">
+              <a:buNone/>
+            </a:pPr>
+            <a:r>
+              <a:rPr lang="en-US" sz="3200" dirty="0"/>
+              <a:t>We missed our reservation more than half the time, by planning based upon the average</a:t>
+            </a:r>
           </a:p>
         </p:txBody>
       </p:sp>
       <p:pic>
         <p:nvPicPr>
-          <p:cNvPr id="10" name="Picture 9"/>
+          <p:cNvPr id="6" name="Picture 5">
+            <a:extLst>
+              <a:ext uri="{FF2B5EF4-FFF2-40B4-BE49-F238E27FC236}">
+                <a16:creationId xmlns:a16="http://schemas.microsoft.com/office/drawing/2014/main" id="{076B627F-B5B4-4B44-B906-A5492B3303A4}"/>
+              </a:ext>
+            </a:extLst>
+          </p:cNvPr>
           <p:cNvPicPr>
             <a:picLocks noChangeAspect="1"/>
           </p:cNvPicPr>
@@ -6436,8 +6441,8 @@
         </p:blipFill>
         <p:spPr>
           <a:xfrm>
-            <a:off x="345926" y="1402931"/>
-            <a:ext cx="11524341" cy="2533650"/>
+            <a:off x="159092" y="3036667"/>
+            <a:ext cx="11317048" cy="2743348"/>
           </a:xfrm>
           <a:prstGeom prst="rect">
             <a:avLst/>
@@ -6446,70 +6451,43 @@
       </p:pic>
       <p:sp>
         <p:nvSpPr>
-          <p:cNvPr id="7" name="Title 3">
+          <p:cNvPr id="9" name="TextBox 8">
             <a:extLst>
               <a:ext uri="{FF2B5EF4-FFF2-40B4-BE49-F238E27FC236}">
-                <a16:creationId xmlns:a16="http://schemas.microsoft.com/office/drawing/2014/main" id="{19C978EF-E452-4174-949B-F74905BED8A7}"/>
+                <a16:creationId xmlns:a16="http://schemas.microsoft.com/office/drawing/2014/main" id="{EB81E6E9-83B7-4E82-8E9B-138C7F48B501}"/>
               </a:ext>
             </a:extLst>
           </p:cNvPr>
-          <p:cNvSpPr txBox="1">
-            <a:spLocks/>
-          </p:cNvSpPr>
+          <p:cNvSpPr txBox="1"/>
           <p:nvPr/>
         </p:nvSpPr>
         <p:spPr>
           <a:xfrm>
-            <a:off x="318051" y="0"/>
-            <a:ext cx="11345333" cy="1609344"/>
+            <a:off x="771287" y="6211669"/>
+            <a:ext cx="7554243" cy="369332"/>
           </a:xfrm>
           <a:prstGeom prst="rect">
             <a:avLst/>
           </a:prstGeom>
+          <a:noFill/>
         </p:spPr>
         <p:txBody>
-          <a:bodyPr vert="horz" lIns="91440" tIns="45720" rIns="91440" bIns="45720" rtlCol="0" anchor="ctr">
-            <a:normAutofit/>
+          <a:bodyPr wrap="square">
+            <a:spAutoFit/>
           </a:bodyPr>
-          <a:lstStyle>
-            <a:lvl1pPr algn="l" defTabSz="914400" rtl="0" eaLnBrk="1" latinLnBrk="0" hangingPunct="1">
-              <a:lnSpc>
-                <a:spcPct val="90000"/>
-              </a:lnSpc>
-              <a:spcBef>
-                <a:spcPct val="0"/>
-              </a:spcBef>
-              <a:buNone/>
-              <a:defRPr sz="5400" kern="1200" cap="all" baseline="0">
-                <a:blipFill>
-                  <a:blip r:embed="rId4">
-                    <a:extLst>
-                      <a:ext uri="{28A0092B-C50C-407E-A947-70E740481C1C}">
-                        <a14:useLocalDpi xmlns:a14="http://schemas.microsoft.com/office/drawing/2010/main" val="0"/>
-                      </a:ext>
-                    </a:extLst>
-                  </a:blip>
-                  <a:tile tx="6350" ty="-127000" sx="65000" sy="64000" flip="none" algn="tl"/>
-                </a:blipFill>
-                <a:latin typeface="+mj-lt"/>
-                <a:ea typeface="+mj-ea"/>
-                <a:cs typeface="+mj-cs"/>
-              </a:defRPr>
-            </a:lvl1pPr>
-          </a:lstStyle>
-          <a:p>
-            <a:r>
-              <a:rPr lang="en-US" sz="4000"/>
-              <a:t>Monte Carlo Simulation – Ralph &amp; Bob go to dinner</a:t>
-            </a:r>
-            <a:endParaRPr lang="en-US" sz="4000" dirty="0"/>
+          <a:lstStyle/>
+          <a:p>
+            <a:r>
+              <a:rPr lang="en-US" sz="1800" dirty="0"/>
+              <a:t>https://datadrivensupplychain.shinyapps.io/restaurant_sim_app/</a:t>
+            </a:r>
           </a:p>
         </p:txBody>
       </p:sp>
     </p:spTree>
     <p:extLst>
       <p:ext uri="{BB962C8B-B14F-4D97-AF65-F5344CB8AC3E}">
-        <p14:creationId xmlns:p14="http://schemas.microsoft.com/office/powerpoint/2010/main" val="3677256654"/>
+        <p14:creationId xmlns:p14="http://schemas.microsoft.com/office/powerpoint/2010/main" val="3407533705"/>
       </p:ext>
     </p:extLst>
   </p:cSld>
@@ -6570,13 +6548,13 @@
         </p:nvSpPr>
         <p:spPr>
           <a:xfrm>
-            <a:off x="771287" y="1902542"/>
-            <a:ext cx="10581069" cy="921774"/>
+            <a:off x="81643" y="1841188"/>
+            <a:ext cx="11040510" cy="4648102"/>
           </a:xfrm>
         </p:spPr>
         <p:txBody>
           <a:bodyPr>
-            <a:normAutofit lnSpcReduction="10000"/>
+            <a:normAutofit fontScale="77500" lnSpcReduction="20000"/>
           </a:bodyPr>
           <a:lstStyle/>
           <a:p>
@@ -6584,81 +6562,79 @@
               <a:buNone/>
             </a:pPr>
             <a:r>
-              <a:rPr lang="en-US" sz="3200" dirty="0"/>
-              <a:t>We missed our reservation more than half the time, by planning based upon the average</a:t>
-            </a:r>
-          </a:p>
-        </p:txBody>
-      </p:sp>
-      <p:pic>
-        <p:nvPicPr>
-          <p:cNvPr id="6" name="Picture 5">
-            <a:extLst>
-              <a:ext uri="{FF2B5EF4-FFF2-40B4-BE49-F238E27FC236}">
-                <a16:creationId xmlns:a16="http://schemas.microsoft.com/office/drawing/2014/main" id="{076B627F-B5B4-4B44-B906-A5492B3303A4}"/>
-              </a:ext>
-            </a:extLst>
-          </p:cNvPr>
-          <p:cNvPicPr>
-            <a:picLocks noChangeAspect="1"/>
-          </p:cNvPicPr>
-          <p:nvPr/>
-        </p:nvPicPr>
-        <p:blipFill>
-          <a:blip r:embed="rId3"/>
-          <a:stretch>
-            <a:fillRect/>
-          </a:stretch>
-        </p:blipFill>
-        <p:spPr>
-          <a:xfrm>
-            <a:off x="159092" y="3036667"/>
-            <a:ext cx="11317048" cy="2743348"/>
-          </a:xfrm>
-          <a:prstGeom prst="rect">
-            <a:avLst/>
-          </a:prstGeom>
-        </p:spPr>
-      </p:pic>
-      <p:sp>
-        <p:nvSpPr>
-          <p:cNvPr id="9" name="TextBox 8">
-            <a:extLst>
-              <a:ext uri="{FF2B5EF4-FFF2-40B4-BE49-F238E27FC236}">
-                <a16:creationId xmlns:a16="http://schemas.microsoft.com/office/drawing/2014/main" id="{EB81E6E9-83B7-4E82-8E9B-138C7F48B501}"/>
-              </a:ext>
-            </a:extLst>
-          </p:cNvPr>
-          <p:cNvSpPr txBox="1"/>
-          <p:nvPr/>
-        </p:nvSpPr>
-        <p:spPr>
-          <a:xfrm>
-            <a:off x="771287" y="6211669"/>
-            <a:ext cx="7554243" cy="369332"/>
-          </a:xfrm>
-          <a:prstGeom prst="rect">
-            <a:avLst/>
-          </a:prstGeom>
-          <a:noFill/>
-        </p:spPr>
-        <p:txBody>
-          <a:bodyPr wrap="square">
-            <a:spAutoFit/>
-          </a:bodyPr>
-          <a:lstStyle/>
-          <a:p>
-            <a:r>
-              <a:rPr lang="en-US" sz="1800" dirty="0"/>
+              <a:rPr lang="en-US" sz="4000" dirty="0"/>
+              <a:t>Introduction to the App</a:t>
+            </a:r>
+          </a:p>
+          <a:p>
+            <a:pPr marL="0" indent="0">
+              <a:buNone/>
+            </a:pPr>
+            <a:endParaRPr lang="en-US" sz="4000" dirty="0"/>
+          </a:p>
+          <a:p>
+            <a:pPr marL="0" indent="0">
+              <a:buNone/>
+            </a:pPr>
+            <a:r>
+              <a:rPr lang="en-US" sz="4000" dirty="0"/>
+              <a:t>What are the things we can do to make it more likely that we’ll arrive on time?</a:t>
+            </a:r>
+          </a:p>
+          <a:p>
+            <a:pPr marL="0" indent="0">
+              <a:buNone/>
+            </a:pPr>
+            <a:endParaRPr lang="en-US" sz="4000" dirty="0"/>
+          </a:p>
+          <a:p>
+            <a:pPr marL="0" indent="0">
+              <a:buNone/>
+            </a:pPr>
+            <a:r>
+              <a:rPr lang="en-US" sz="4000" dirty="0"/>
+              <a:t>What is the magnitude of the impact of being 5mins early vs 5mins late? What about 10mins early vs 10mins late?</a:t>
+            </a:r>
+          </a:p>
+          <a:p>
+            <a:pPr marL="0" indent="0">
+              <a:buNone/>
+            </a:pPr>
+            <a:endParaRPr lang="en-US" sz="4000" dirty="0"/>
+          </a:p>
+          <a:p>
+            <a:pPr marL="0" indent="0">
+              <a:buNone/>
+            </a:pPr>
+            <a:r>
+              <a:rPr lang="en-US" sz="4000" dirty="0"/>
               <a:t>https://datadrivensupplychain.shinyapps.io/restaurant_sim_app/</a:t>
             </a:r>
+          </a:p>
+          <a:p>
+            <a:pPr marL="0" indent="0">
+              <a:buNone/>
+            </a:pPr>
+            <a:endParaRPr lang="en-US" sz="4000" dirty="0"/>
+          </a:p>
+          <a:p>
+            <a:pPr marL="0" indent="0">
+              <a:buNone/>
+            </a:pPr>
+            <a:endParaRPr lang="en-US" sz="4800" b="1" i="1" dirty="0"/>
+          </a:p>
+          <a:p>
+            <a:pPr marL="0" indent="0">
+              <a:buNone/>
+            </a:pPr>
+            <a:endParaRPr lang="en-US" sz="4000" b="1" i="1" dirty="0"/>
           </a:p>
         </p:txBody>
       </p:sp>
     </p:spTree>
     <p:extLst>
       <p:ext uri="{BB962C8B-B14F-4D97-AF65-F5344CB8AC3E}">
-        <p14:creationId xmlns:p14="http://schemas.microsoft.com/office/powerpoint/2010/main" val="3407533705"/>
+        <p14:creationId xmlns:p14="http://schemas.microsoft.com/office/powerpoint/2010/main" val="3513583320"/>
       </p:ext>
     </p:extLst>
   </p:cSld>
@@ -6719,93 +6695,45 @@
         </p:nvSpPr>
         <p:spPr>
           <a:xfrm>
-            <a:off x="81643" y="1841188"/>
-            <a:ext cx="11040510" cy="4648102"/>
+            <a:off x="398207" y="1841188"/>
+            <a:ext cx="10723946" cy="4648102"/>
           </a:xfrm>
         </p:spPr>
         <p:txBody>
           <a:bodyPr>
-            <a:normAutofit fontScale="70000" lnSpcReduction="20000"/>
+            <a:normAutofit/>
           </a:bodyPr>
           <a:lstStyle/>
           <a:p>
-            <a:pPr marL="0" indent="0">
+            <a:r>
+              <a:rPr lang="en-US" sz="6000" b="1" i="1" dirty="0"/>
+              <a:t>What is unrealistic about this simulation?</a:t>
+            </a:r>
+            <a:endParaRPr lang="en-US" sz="4800" b="1" i="1" dirty="0"/>
+          </a:p>
+          <a:p>
+            <a:pPr lvl="2"/>
+            <a:r>
+              <a:rPr lang="en-US" sz="4400" dirty="0"/>
+              <a:t>Problem Definition, Talking Through Details Are Key…</a:t>
+            </a:r>
+          </a:p>
+          <a:p>
+            <a:pPr lvl="1"/>
+            <a:endParaRPr lang="en-US" sz="7200" dirty="0"/>
+          </a:p>
+          <a:p>
+            <a:pPr marL="457200" lvl="1" indent="0">
               <a:buNone/>
             </a:pPr>
-            <a:r>
-              <a:rPr lang="en-US" sz="4000" dirty="0"/>
-              <a:t>Open Discussion, Work From App:</a:t>
-            </a:r>
-          </a:p>
-          <a:p>
-            <a:pPr marL="0" indent="0">
-              <a:buNone/>
-            </a:pPr>
-            <a:endParaRPr lang="en-US" sz="4000" dirty="0"/>
-          </a:p>
-          <a:p>
-            <a:pPr marL="0" indent="0">
-              <a:buNone/>
-            </a:pPr>
-            <a:r>
-              <a:rPr lang="en-US" sz="4000" dirty="0"/>
-              <a:t>What are the things we can do to make it more likely that we’ll arrive on time?</a:t>
-            </a:r>
-          </a:p>
-          <a:p>
-            <a:pPr marL="0" indent="0">
-              <a:buNone/>
-            </a:pPr>
-            <a:endParaRPr lang="en-US" sz="4000" dirty="0"/>
-          </a:p>
-          <a:p>
-            <a:pPr marL="0" indent="0">
-              <a:buNone/>
-            </a:pPr>
-            <a:r>
-              <a:rPr lang="en-US" sz="4000" dirty="0"/>
-              <a:t>Under what circumstances is it better to be early?  Under what circumstances is it better to be late?  What is the magnitude of the impact of being 5mins early vs 5mins late? What about 10mins early vs 10mins late?</a:t>
-            </a:r>
-          </a:p>
-          <a:p>
-            <a:pPr marL="0" indent="0">
-              <a:buNone/>
-            </a:pPr>
-            <a:endParaRPr lang="en-US" sz="4000" dirty="0"/>
-          </a:p>
-          <a:p>
-            <a:pPr marL="0" indent="0">
-              <a:buNone/>
-            </a:pPr>
-            <a:r>
-              <a:rPr lang="en-US" sz="4000" dirty="0"/>
-              <a:t>https://datadrivensupplychain.shinyapps.io/restaurant_sim_app/</a:t>
-            </a:r>
-          </a:p>
-          <a:p>
-            <a:pPr marL="0" indent="0">
-              <a:buNone/>
-            </a:pPr>
-            <a:endParaRPr lang="en-US" sz="4000" dirty="0"/>
-          </a:p>
-          <a:p>
-            <a:pPr marL="0" indent="0">
-              <a:buNone/>
-            </a:pPr>
-            <a:endParaRPr lang="en-US" sz="4800" b="1" i="1" dirty="0"/>
-          </a:p>
-          <a:p>
-            <a:pPr marL="0" indent="0">
-              <a:buNone/>
-            </a:pPr>
-            <a:endParaRPr lang="en-US" sz="4000" b="1" i="1" dirty="0"/>
+            <a:endParaRPr lang="en-US" sz="7200" dirty="0"/>
           </a:p>
         </p:txBody>
       </p:sp>
     </p:spTree>
     <p:extLst>
       <p:ext uri="{BB962C8B-B14F-4D97-AF65-F5344CB8AC3E}">
-        <p14:creationId xmlns:p14="http://schemas.microsoft.com/office/powerpoint/2010/main" val="3513583320"/>
+        <p14:creationId xmlns:p14="http://schemas.microsoft.com/office/powerpoint/2010/main" val="2111726752"/>
       </p:ext>
     </p:extLst>
   </p:cSld>
@@ -6849,105 +6777,6 @@
           <a:p>
             <a:r>
               <a:rPr lang="en-US" dirty="0"/>
-              <a:t>Rinse and Repeat 10,000 Times…</a:t>
-            </a:r>
-          </a:p>
-        </p:txBody>
-      </p:sp>
-      <p:sp>
-        <p:nvSpPr>
-          <p:cNvPr id="3" name="Content Placeholder 2"/>
-          <p:cNvSpPr>
-            <a:spLocks noGrp="1"/>
-          </p:cNvSpPr>
-          <p:nvPr>
-            <p:ph idx="1"/>
-          </p:nvPr>
-        </p:nvSpPr>
-        <p:spPr>
-          <a:xfrm>
-            <a:off x="398207" y="1841188"/>
-            <a:ext cx="10723946" cy="4648102"/>
-          </a:xfrm>
-        </p:spPr>
-        <p:txBody>
-          <a:bodyPr>
-            <a:normAutofit/>
-          </a:bodyPr>
-          <a:lstStyle/>
-          <a:p>
-            <a:r>
-              <a:rPr lang="en-US" sz="6000" b="1" i="1" dirty="0"/>
-              <a:t>What is unrealistic about this simulation?</a:t>
-            </a:r>
-            <a:endParaRPr lang="en-US" sz="4800" b="1" i="1" dirty="0"/>
-          </a:p>
-          <a:p>
-            <a:pPr lvl="2"/>
-            <a:r>
-              <a:rPr lang="en-US" sz="4400" dirty="0"/>
-              <a:t>Problem Definition, Talking Through Details Are Key…</a:t>
-            </a:r>
-          </a:p>
-          <a:p>
-            <a:pPr lvl="1"/>
-            <a:endParaRPr lang="en-US" sz="7200" dirty="0"/>
-          </a:p>
-          <a:p>
-            <a:pPr marL="457200" lvl="1" indent="0">
-              <a:buNone/>
-            </a:pPr>
-            <a:endParaRPr lang="en-US" sz="7200" dirty="0"/>
-          </a:p>
-        </p:txBody>
-      </p:sp>
-    </p:spTree>
-    <p:extLst>
-      <p:ext uri="{BB962C8B-B14F-4D97-AF65-F5344CB8AC3E}">
-        <p14:creationId xmlns:p14="http://schemas.microsoft.com/office/powerpoint/2010/main" val="2111726752"/>
-      </p:ext>
-    </p:extLst>
-  </p:cSld>
-  <p:clrMapOvr>
-    <a:masterClrMapping/>
-  </p:clrMapOvr>
-</p:sld>
-</file>
-
-<file path=ppt/slides/slide14.xml><?xml version="1.0" encoding="utf-8"?>
-<p:sld xmlns:a="http://schemas.openxmlformats.org/drawingml/2006/main" xmlns:r="http://schemas.openxmlformats.org/officeDocument/2006/relationships" xmlns:p="http://schemas.openxmlformats.org/presentationml/2006/main">
-  <p:cSld>
-    <p:spTree>
-      <p:nvGrpSpPr>
-        <p:cNvPr id="1" name=""/>
-        <p:cNvGrpSpPr/>
-        <p:nvPr/>
-      </p:nvGrpSpPr>
-      <p:grpSpPr>
-        <a:xfrm>
-          <a:off x="0" y="0"/>
-          <a:ext cx="0" cy="0"/>
-          <a:chOff x="0" y="0"/>
-          <a:chExt cx="0" cy="0"/>
-        </a:xfrm>
-      </p:grpSpPr>
-      <p:sp>
-        <p:nvSpPr>
-          <p:cNvPr id="4" name="Title 3"/>
-          <p:cNvSpPr>
-            <a:spLocks noGrp="1"/>
-          </p:cNvSpPr>
-          <p:nvPr>
-            <p:ph type="title"/>
-          </p:nvPr>
-        </p:nvSpPr>
-        <p:spPr/>
-        <p:txBody>
-          <a:bodyPr/>
-          <a:lstStyle/>
-          <a:p>
-            <a:r>
-              <a:rPr lang="en-US" dirty="0"/>
               <a:t>Takeaways</a:t>
             </a:r>
           </a:p>
@@ -7025,7 +6854,7 @@
 </p:sld>
 </file>
 
-<file path=ppt/slides/slide15.xml><?xml version="1.0" encoding="utf-8"?>
+<file path=ppt/slides/slide14.xml><?xml version="1.0" encoding="utf-8"?>
 <p:sld xmlns:a="http://schemas.openxmlformats.org/drawingml/2006/main" xmlns:r="http://schemas.openxmlformats.org/officeDocument/2006/relationships" xmlns:p="http://schemas.openxmlformats.org/presentationml/2006/main">
   <p:cSld>
     <p:bg>
@@ -7475,6 +7304,285 @@
 </p:sld>
 </file>
 
+<file path=ppt/slides/slide15.xml><?xml version="1.0" encoding="utf-8"?>
+<p:sld xmlns:a="http://schemas.openxmlformats.org/drawingml/2006/main" xmlns:r="http://schemas.openxmlformats.org/officeDocument/2006/relationships" xmlns:p="http://schemas.openxmlformats.org/presentationml/2006/main">
+  <p:cSld>
+    <p:spTree>
+      <p:nvGrpSpPr>
+        <p:cNvPr id="1" name=""/>
+        <p:cNvGrpSpPr/>
+        <p:nvPr/>
+      </p:nvGrpSpPr>
+      <p:grpSpPr>
+        <a:xfrm>
+          <a:off x="0" y="0"/>
+          <a:ext cx="0" cy="0"/>
+          <a:chOff x="0" y="0"/>
+          <a:chExt cx="0" cy="0"/>
+        </a:xfrm>
+      </p:grpSpPr>
+      <p:sp>
+        <p:nvSpPr>
+          <p:cNvPr id="2" name="Title 1">
+            <a:extLst>
+              <a:ext uri="{FF2B5EF4-FFF2-40B4-BE49-F238E27FC236}">
+                <a16:creationId xmlns:a16="http://schemas.microsoft.com/office/drawing/2014/main" id="{D5684F5D-4239-4575-B2C6-CE3AADDAACAC}"/>
+              </a:ext>
+            </a:extLst>
+          </p:cNvPr>
+          <p:cNvSpPr>
+            <a:spLocks noGrp="1"/>
+          </p:cNvSpPr>
+          <p:nvPr>
+            <p:ph type="title"/>
+          </p:nvPr>
+        </p:nvSpPr>
+        <p:spPr/>
+        <p:txBody>
+          <a:bodyPr/>
+          <a:lstStyle/>
+          <a:p>
+            <a:r>
+              <a:rPr lang="en-US" dirty="0"/>
+              <a:t>Appendix</a:t>
+            </a:r>
+          </a:p>
+        </p:txBody>
+      </p:sp>
+      <p:sp>
+        <p:nvSpPr>
+          <p:cNvPr id="3" name="Content Placeholder 2">
+            <a:extLst>
+              <a:ext uri="{FF2B5EF4-FFF2-40B4-BE49-F238E27FC236}">
+                <a16:creationId xmlns:a16="http://schemas.microsoft.com/office/drawing/2014/main" id="{EB46C686-585D-45D0-9803-F2F27993FCB6}"/>
+              </a:ext>
+            </a:extLst>
+          </p:cNvPr>
+          <p:cNvSpPr>
+            <a:spLocks noGrp="1"/>
+          </p:cNvSpPr>
+          <p:nvPr>
+            <p:ph idx="1"/>
+          </p:nvPr>
+        </p:nvSpPr>
+        <p:spPr/>
+        <p:txBody>
+          <a:bodyPr/>
+          <a:lstStyle/>
+          <a:p>
+            <a:endParaRPr lang="en-US"/>
+          </a:p>
+        </p:txBody>
+      </p:sp>
+    </p:spTree>
+    <p:extLst>
+      <p:ext uri="{BB962C8B-B14F-4D97-AF65-F5344CB8AC3E}">
+        <p14:creationId xmlns:p14="http://schemas.microsoft.com/office/powerpoint/2010/main" val="2993806474"/>
+      </p:ext>
+    </p:extLst>
+  </p:cSld>
+  <p:clrMapOvr>
+    <a:masterClrMapping/>
+  </p:clrMapOvr>
+</p:sld>
+</file>
+
+<file path=ppt/slides/slide16.xml><?xml version="1.0" encoding="utf-8"?>
+<p:sld xmlns:a="http://schemas.openxmlformats.org/drawingml/2006/main" xmlns:r="http://schemas.openxmlformats.org/officeDocument/2006/relationships" xmlns:p="http://schemas.openxmlformats.org/presentationml/2006/main">
+  <p:cSld>
+    <p:spTree>
+      <p:nvGrpSpPr>
+        <p:cNvPr id="1" name=""/>
+        <p:cNvGrpSpPr/>
+        <p:nvPr/>
+      </p:nvGrpSpPr>
+      <p:grpSpPr>
+        <a:xfrm>
+          <a:off x="0" y="0"/>
+          <a:ext cx="0" cy="0"/>
+          <a:chOff x="0" y="0"/>
+          <a:chExt cx="0" cy="0"/>
+        </a:xfrm>
+      </p:grpSpPr>
+      <p:sp>
+        <p:nvSpPr>
+          <p:cNvPr id="2" name="Title 1"/>
+          <p:cNvSpPr>
+            <a:spLocks noGrp="1"/>
+          </p:cNvSpPr>
+          <p:nvPr>
+            <p:ph type="title"/>
+          </p:nvPr>
+        </p:nvSpPr>
+        <p:spPr>
+          <a:xfrm>
+            <a:off x="346422" y="249864"/>
+            <a:ext cx="10515600" cy="1187050"/>
+          </a:xfrm>
+        </p:spPr>
+        <p:txBody>
+          <a:bodyPr>
+            <a:noAutofit/>
+          </a:bodyPr>
+          <a:lstStyle/>
+          <a:p>
+            <a:br>
+              <a:rPr lang="en-US" sz="3200" dirty="0"/>
+            </a:br>
+            <a:r>
+              <a:rPr lang="en-US" sz="3200" dirty="0"/>
+              <a:t>How can we use data to understand risk and uncertainty?</a:t>
+            </a:r>
+            <a:br>
+              <a:rPr lang="en-US" sz="3200" dirty="0"/>
+            </a:br>
+            <a:endParaRPr lang="en-US" sz="3200" dirty="0"/>
+          </a:p>
+        </p:txBody>
+      </p:sp>
+      <p:sp>
+        <p:nvSpPr>
+          <p:cNvPr id="3" name="Content Placeholder 2"/>
+          <p:cNvSpPr>
+            <a:spLocks noGrp="1"/>
+          </p:cNvSpPr>
+          <p:nvPr>
+            <p:ph idx="1"/>
+          </p:nvPr>
+        </p:nvSpPr>
+        <p:spPr>
+          <a:xfrm>
+            <a:off x="245889" y="1360074"/>
+            <a:ext cx="11748887" cy="5424927"/>
+          </a:xfrm>
+        </p:spPr>
+        <p:txBody>
+          <a:bodyPr>
+            <a:noAutofit/>
+          </a:bodyPr>
+          <a:lstStyle/>
+          <a:p>
+            <a:r>
+              <a:rPr lang="en-US" sz="1800" dirty="0"/>
+              <a:t>Most people are inherently paralyzed by uncertainty and tend to ignore it in our lives.  </a:t>
+            </a:r>
+          </a:p>
+          <a:p>
+            <a:pPr lvl="1"/>
+            <a:r>
+              <a:rPr lang="en-US" sz="1600" dirty="0"/>
+              <a:t>Will my home burn down today?</a:t>
+            </a:r>
+          </a:p>
+          <a:p>
+            <a:pPr lvl="1"/>
+            <a:r>
+              <a:rPr lang="en-US" sz="1600" dirty="0"/>
+              <a:t>Will I get sick?</a:t>
+            </a:r>
+          </a:p>
+          <a:p>
+            <a:pPr lvl="1"/>
+            <a:r>
+              <a:rPr lang="en-US" sz="1600" dirty="0"/>
+              <a:t>Will the Chipotle line be too long, to make it back to work on time?</a:t>
+            </a:r>
+          </a:p>
+          <a:p>
+            <a:r>
+              <a:rPr lang="en-US" sz="1800" dirty="0"/>
+              <a:t>Our typical decisions are based either upon heuristics (good rules of thumb), or a single estimate</a:t>
+            </a:r>
+          </a:p>
+          <a:p>
+            <a:pPr lvl="1"/>
+            <a:r>
+              <a:rPr lang="en-US" sz="1600" dirty="0"/>
+              <a:t>Will I make it to the airport in time?</a:t>
+            </a:r>
+          </a:p>
+          <a:p>
+            <a:pPr lvl="1"/>
+            <a:r>
+              <a:rPr lang="en-US" sz="1600" dirty="0"/>
+              <a:t>How much can I afford on a mortgage?</a:t>
+            </a:r>
+          </a:p>
+          <a:p>
+            <a:r>
+              <a:rPr lang="en-US" sz="1800" dirty="0"/>
+              <a:t>Our ability to objectively evaluate decisions, declines with complexity and uncertainty about the important details</a:t>
+            </a:r>
+          </a:p>
+          <a:p>
+            <a:pPr lvl="1"/>
+            <a:r>
+              <a:rPr lang="en-US" sz="1600" dirty="0"/>
+              <a:t>Should I go to college?</a:t>
+            </a:r>
+          </a:p>
+          <a:p>
+            <a:pPr lvl="1"/>
+            <a:r>
+              <a:rPr lang="en-US" sz="1600" dirty="0"/>
+              <a:t>Should I take that job?</a:t>
+            </a:r>
+          </a:p>
+          <a:p>
+            <a:pPr lvl="1"/>
+            <a:r>
+              <a:rPr lang="en-US" sz="1600" dirty="0"/>
+              <a:t>Should I marry this person?</a:t>
+            </a:r>
+            <a:endParaRPr lang="en-US" sz="1800" dirty="0"/>
+          </a:p>
+          <a:p>
+            <a:r>
+              <a:rPr lang="en-US" sz="1800" dirty="0"/>
+              <a:t>Enabling decision-making under uncertainty, absent of emotion, is a major triumph of </a:t>
+            </a:r>
+            <a:r>
+              <a:rPr lang="en-US" sz="1800" i="1" dirty="0"/>
+              <a:t>operations research</a:t>
+            </a:r>
+          </a:p>
+          <a:p>
+            <a:r>
+              <a:rPr lang="en-US" sz="1800" i="1" dirty="0"/>
+              <a:t>Thinking, Fast and Slow</a:t>
+            </a:r>
+          </a:p>
+          <a:p>
+            <a:r>
+              <a:rPr lang="en-US" sz="1800" i="1" dirty="0"/>
+              <a:t>Fooled By Randomness </a:t>
+            </a:r>
+          </a:p>
+          <a:p>
+            <a:r>
+              <a:rPr lang="en-US" sz="1800" i="1" dirty="0" err="1"/>
+              <a:t>Farnam</a:t>
+            </a:r>
+            <a:r>
+              <a:rPr lang="en-US" sz="1800" i="1" dirty="0"/>
+              <a:t> Street (website)</a:t>
+            </a:r>
+          </a:p>
+        </p:txBody>
+      </p:sp>
+    </p:spTree>
+    <p:extLst>
+      <p:ext uri="{BB962C8B-B14F-4D97-AF65-F5344CB8AC3E}">
+        <p14:creationId xmlns:p14="http://schemas.microsoft.com/office/powerpoint/2010/main" val="4156793820"/>
+      </p:ext>
+    </p:extLst>
+  </p:cSld>
+  <p:clrMapOvr>
+    <a:masterClrMapping/>
+  </p:clrMapOvr>
+</p:sld>
+</file>
+
 <file path=ppt/slides/slide2.xml><?xml version="1.0" encoding="utf-8"?>
 <p:sld xmlns:a="http://schemas.openxmlformats.org/drawingml/2006/main" xmlns:r="http://schemas.openxmlformats.org/officeDocument/2006/relationships" xmlns:p="http://schemas.openxmlformats.org/presentationml/2006/main">
   <p:cSld>
@@ -7587,7 +7695,7 @@
             <a:pPr lvl="1"/>
             <a:r>
               <a:rPr lang="en-US" dirty="0"/>
-              <a:t>Supply Chain + Artificial Intelligence, For Your Organization</a:t>
+              <a:t>Artificial Intelligence + Supply Chain, For Your Organization</a:t>
             </a:r>
           </a:p>
           <a:p>
@@ -7997,7 +8105,7 @@
       </p:grpSpPr>
       <p:sp>
         <p:nvSpPr>
-          <p:cNvPr id="2" name="Title 1"/>
+          <p:cNvPr id="4" name="Title 3"/>
           <p:cNvSpPr>
             <a:spLocks noGrp="1"/>
           </p:cNvSpPr>
@@ -8007,33 +8115,24 @@
         </p:nvSpPr>
         <p:spPr>
           <a:xfrm>
-            <a:off x="346422" y="249864"/>
-            <a:ext cx="10515600" cy="1187050"/>
+            <a:off x="318733" y="378496"/>
+            <a:ext cx="10058400" cy="1609344"/>
           </a:xfrm>
         </p:spPr>
         <p:txBody>
-          <a:bodyPr>
-            <a:noAutofit/>
-          </a:bodyPr>
-          <a:lstStyle/>
-          <a:p>
-            <a:br>
-              <a:rPr lang="en-US" sz="3200" dirty="0"/>
-            </a:br>
-            <a:r>
-              <a:rPr lang="en-US" sz="3200" dirty="0"/>
-              <a:t>How can we use data to understand risk and uncertainty?</a:t>
-            </a:r>
-            <a:br>
-              <a:rPr lang="en-US" sz="3200" dirty="0"/>
-            </a:br>
-            <a:endParaRPr lang="en-US" sz="3200" dirty="0"/>
-          </a:p>
-        </p:txBody>
-      </p:sp>
-      <p:sp>
-        <p:nvSpPr>
-          <p:cNvPr id="3" name="Content Placeholder 2"/>
+          <a:bodyPr/>
+          <a:lstStyle/>
+          <a:p>
+            <a:r>
+              <a:rPr lang="en-US" dirty="0"/>
+              <a:t>“The Flaw of Averages”</a:t>
+            </a:r>
+          </a:p>
+        </p:txBody>
+      </p:sp>
+      <p:sp>
+        <p:nvSpPr>
+          <p:cNvPr id="5" name="Content Placeholder 4"/>
           <p:cNvSpPr>
             <a:spLocks noGrp="1"/>
           </p:cNvSpPr>
@@ -8043,128 +8142,64 @@
         </p:nvSpPr>
         <p:spPr>
           <a:xfrm>
-            <a:off x="245889" y="1360074"/>
-            <a:ext cx="11748887" cy="5424927"/>
+            <a:off x="430340" y="1702315"/>
+            <a:ext cx="11345333" cy="4863494"/>
           </a:xfrm>
         </p:spPr>
         <p:txBody>
-          <a:bodyPr>
-            <a:noAutofit/>
-          </a:bodyPr>
-          <a:lstStyle/>
-          <a:p>
-            <a:r>
-              <a:rPr lang="en-US" sz="1800" dirty="0"/>
-              <a:t>Most people are inherently paralyzed by uncertainty and tend to ignore it in our lives.  </a:t>
-            </a:r>
-          </a:p>
-          <a:p>
-            <a:pPr lvl="1"/>
-            <a:r>
-              <a:rPr lang="en-US" sz="1600" dirty="0"/>
-              <a:t>Will my home burn down today?</a:t>
-            </a:r>
-          </a:p>
-          <a:p>
-            <a:pPr lvl="1"/>
-            <a:r>
-              <a:rPr lang="en-US" sz="1600" dirty="0"/>
-              <a:t>Will I get sick?</a:t>
-            </a:r>
-          </a:p>
-          <a:p>
-            <a:pPr lvl="1"/>
-            <a:r>
-              <a:rPr lang="en-US" sz="1600" dirty="0"/>
-              <a:t>Will the Chipotle line be too long, to make it back to work on time?</a:t>
-            </a:r>
-          </a:p>
-          <a:p>
-            <a:r>
-              <a:rPr lang="en-US" sz="1800" dirty="0"/>
-              <a:t>Our typical decisions are based either upon heuristics (good rules of thumb), or a single estimate</a:t>
-            </a:r>
-          </a:p>
-          <a:p>
-            <a:pPr lvl="1"/>
-            <a:r>
-              <a:rPr lang="en-US" sz="1600" dirty="0"/>
-              <a:t>Will I make it to the airport in time?</a:t>
-            </a:r>
-          </a:p>
-          <a:p>
-            <a:pPr lvl="1"/>
-            <a:r>
-              <a:rPr lang="en-US" sz="1600" dirty="0"/>
-              <a:t>How much can I afford on a mortgage?</a:t>
-            </a:r>
-          </a:p>
-          <a:p>
-            <a:r>
-              <a:rPr lang="en-US" sz="1800" dirty="0"/>
-              <a:t>Our ability to objectively evaluate decisions, declines with complexity and uncertainty about the important details</a:t>
-            </a:r>
-          </a:p>
-          <a:p>
-            <a:pPr lvl="1"/>
-            <a:r>
-              <a:rPr lang="en-US" sz="1600" dirty="0"/>
-              <a:t>Should I go to college?</a:t>
-            </a:r>
-          </a:p>
-          <a:p>
-            <a:pPr lvl="1"/>
-            <a:r>
-              <a:rPr lang="en-US" sz="1600" dirty="0"/>
-              <a:t>Should I take that job?</a:t>
-            </a:r>
-          </a:p>
-          <a:p>
-            <a:pPr lvl="1"/>
-            <a:r>
-              <a:rPr lang="en-US" sz="1600" dirty="0"/>
-              <a:t>Should I marry this person?</a:t>
-            </a:r>
-            <a:endParaRPr lang="en-US" sz="1800" dirty="0"/>
-          </a:p>
-          <a:p>
-            <a:r>
-              <a:rPr lang="en-US" sz="1800" dirty="0"/>
-              <a:t>Enabling decision-making under uncertainty, absent of emotion, is a major triumph of </a:t>
-            </a:r>
-            <a:r>
-              <a:rPr lang="en-US" sz="1800" i="1" dirty="0"/>
-              <a:t>operations research</a:t>
-            </a:r>
-          </a:p>
-          <a:p>
-            <a:r>
-              <a:rPr lang="en-US" sz="1800" i="1" dirty="0"/>
-              <a:t>Thinking, Fast and Slow</a:t>
-            </a:r>
-          </a:p>
-          <a:p>
-            <a:r>
-              <a:rPr lang="en-US" sz="1800" i="1" dirty="0"/>
-              <a:t>Fooled By Randomness </a:t>
-            </a:r>
-          </a:p>
-          <a:p>
-            <a:r>
-              <a:rPr lang="en-US" sz="1800" i="1" dirty="0" err="1"/>
-              <a:t>Farnam</a:t>
-            </a:r>
-            <a:r>
-              <a:rPr lang="en-US" sz="1800" i="1" dirty="0"/>
-              <a:t> Street (website)</a:t>
-            </a:r>
+          <a:bodyPr/>
+          <a:lstStyle/>
+          <a:p>
+            <a:r>
+              <a:rPr lang="en-US" dirty="0"/>
+              <a:t>Inputs to key decisions (for example, sales forecasts, cost inputs) are not a single point value, but a range (distribution)</a:t>
+            </a:r>
+          </a:p>
+          <a:p>
+            <a:r>
+              <a:rPr lang="en-US" dirty="0"/>
+              <a:t>Making decisions based on the average of those values, ignores potential impacts of those inputs coming in higher or lower than average</a:t>
+            </a:r>
+          </a:p>
+          <a:p>
+            <a:r>
+              <a:rPr lang="en-US" dirty="0"/>
+              <a:t>If you can’t swim… don’t try to cross a creek based upon its “average” depth</a:t>
+            </a:r>
+          </a:p>
+          <a:p>
+            <a:r>
+              <a:rPr lang="en-US" dirty="0"/>
+              <a:t>Popularized by Dr. Sam Savage in 2002 Harvard Business Review article, and subsequent book</a:t>
+            </a:r>
+          </a:p>
+          <a:p>
+            <a:r>
+              <a:rPr lang="en-US" dirty="0">
+                <a:hlinkClick r:id="rId3"/>
+              </a:rPr>
+              <a:t>https://hbr.org/2002/11/the-flaw-of-averages</a:t>
+            </a:r>
+            <a:endParaRPr lang="en-US" dirty="0"/>
+          </a:p>
+          <a:p>
+            <a:endParaRPr lang="en-US" dirty="0"/>
+          </a:p>
+          <a:p>
+            <a:endParaRPr lang="en-US" dirty="0"/>
+          </a:p>
+          <a:p>
+            <a:endParaRPr lang="en-US" dirty="0"/>
+          </a:p>
+          <a:p>
+            <a:endParaRPr lang="en-US" dirty="0"/>
           </a:p>
         </p:txBody>
       </p:sp>
     </p:spTree>
     <p:extLst>
       <p:ext uri="{BB962C8B-B14F-4D97-AF65-F5344CB8AC3E}">
-        <p14:creationId xmlns:p14="http://schemas.microsoft.com/office/powerpoint/2010/main" val="3783780342"/>
+        <p14:creationId xmlns:p14="http://schemas.microsoft.com/office/powerpoint/2010/main" val="4242865234"/>
       </p:ext>
     </p:extLst>
   </p:cSld>
@@ -8203,7 +8238,7 @@
         </p:nvSpPr>
         <p:spPr>
           <a:xfrm>
-            <a:off x="318733" y="378496"/>
+            <a:off x="245255" y="500960"/>
             <a:ext cx="10058400" cy="1609344"/>
           </a:xfrm>
         </p:spPr>
@@ -8213,7 +8248,7 @@
           <a:p>
             <a:r>
               <a:rPr lang="en-US" dirty="0"/>
-              <a:t>“The Flaw of Averages”</a:t>
+              <a:t>Monte Carlo Simulation</a:t>
             </a:r>
           </a:p>
         </p:txBody>
@@ -8230,105 +8265,87 @@
         </p:nvSpPr>
         <p:spPr>
           <a:xfrm>
-            <a:off x="430340" y="1702315"/>
-            <a:ext cx="11345333" cy="4863494"/>
+            <a:off x="155121" y="1700038"/>
+            <a:ext cx="11732079" cy="4886292"/>
           </a:xfrm>
         </p:spPr>
         <p:txBody>
-          <a:bodyPr/>
+          <a:bodyPr>
+            <a:noAutofit/>
+          </a:bodyPr>
           <a:lstStyle/>
           <a:p>
             <a:r>
               <a:rPr lang="en-US" dirty="0"/>
-              <a:t>Inputs to key decisions (for example, sales forecasts, travel times, cost inputs) are not a single point value, but a range (distribution)</a:t>
-            </a:r>
+              <a:t>Analytical method that evaluates a lot of potential combinations of uncertain inputs – drawing from their range of possibilities – and calculates the overall outcome</a:t>
+            </a:r>
+            <a:endParaRPr lang="en-US" b="1" i="1" dirty="0"/>
+          </a:p>
+          <a:p>
+            <a:r>
+              <a:rPr lang="en-US" b="1" i="1" dirty="0"/>
+              <a:t>If K = f(</a:t>
+            </a:r>
+            <a:r>
+              <a:rPr lang="en-US" b="1" i="1" dirty="0" err="1"/>
+              <a:t>x,y,z</a:t>
+            </a:r>
+            <a:r>
+              <a:rPr lang="en-US" b="1" i="1" dirty="0"/>
+              <a:t>), and x, y, and z are not single point values but distributions, what is the distribution of K? </a:t>
+            </a:r>
+            <a:r>
+              <a:rPr lang="en-US" b="1" i="1" u="sng" dirty="0"/>
+              <a:t>What are the real-world impacts of different segments of K’s distribution</a:t>
+            </a:r>
+            <a:r>
+              <a:rPr lang="en-US" b="1" i="1" dirty="0"/>
+              <a:t>?</a:t>
+            </a:r>
+            <a:endParaRPr lang="en-US" dirty="0"/>
           </a:p>
           <a:p>
             <a:r>
               <a:rPr lang="en-US" dirty="0"/>
-              <a:t>Making decisions based on the average of those values, ignores potential impacts of those inputs coming in higher or lower than average</a:t>
+              <a:t>“It shows the extreme possibilities along with all possible consequences for middle-of-the-road decisions.”</a:t>
             </a:r>
           </a:p>
           <a:p>
             <a:r>
               <a:rPr lang="en-US" dirty="0"/>
-              <a:t>If you can’t swim… don’t try to cross a creek based upon its “average” depth</a:t>
-            </a:r>
-          </a:p>
-          <a:p>
+              <a:t>Finance (stress testing, mergers &amp; acquisitions), Oil &amp; Gas (investment decisions on drilling oil wells), </a:t>
+            </a:r>
+            <a:r>
+              <a:rPr lang="en-US" b="1" i="1" u="sng" dirty="0"/>
+              <a:t>Supply Chain</a:t>
+            </a:r>
+            <a:r>
+              <a:rPr lang="en-US" i="1" dirty="0"/>
+              <a:t> </a:t>
+            </a:r>
             <a:r>
               <a:rPr lang="en-US" dirty="0"/>
-              <a:t>Popularized by Dr. Sam Savage in 2002 Harvard Business Review article, and subsequent book</a:t>
-            </a:r>
-          </a:p>
-          <a:p>
-            <a:r>
-              <a:rPr lang="en-US" dirty="0">
-                <a:hlinkClick r:id="rId3"/>
-              </a:rPr>
-              <a:t>https://hbr.org/2002/11/the-flaw-of-averages</a:t>
-            </a:r>
+              <a:t>(impact of variable demand, upon different facilities in the supply chain)</a:t>
+            </a:r>
+          </a:p>
+          <a:p>
             <a:endParaRPr lang="en-US" dirty="0"/>
           </a:p>
           <a:p>
+            <a:pPr marL="0" indent="0">
+              <a:buNone/>
+            </a:pPr>
             <a:endParaRPr lang="en-US" dirty="0"/>
           </a:p>
           <a:p>
             <a:endParaRPr lang="en-US" dirty="0"/>
           </a:p>
-          <a:p>
-            <a:endParaRPr lang="en-US" dirty="0"/>
-          </a:p>
-          <a:p>
-            <a:endParaRPr lang="en-US" dirty="0"/>
-          </a:p>
-        </p:txBody>
-      </p:sp>
-      <p:pic>
-        <p:nvPicPr>
-          <p:cNvPr id="12290" name="Picture 2" descr="https://static.twentyoverten.com/law_of_averages_bw.1466013139834.jpg"/>
-          <p:cNvPicPr>
-            <a:picLocks noChangeAspect="1" noChangeArrowheads="1"/>
-          </p:cNvPicPr>
-          <p:nvPr/>
-        </p:nvPicPr>
-        <p:blipFill>
-          <a:blip r:embed="rId4">
-            <a:extLst>
-              <a:ext uri="{28A0092B-C50C-407E-A947-70E740481C1C}">
-                <a14:useLocalDpi xmlns:a14="http://schemas.microsoft.com/office/drawing/2010/main" val="0"/>
-              </a:ext>
-            </a:extLst>
-          </a:blip>
-          <a:srcRect/>
-          <a:stretch>
-            <a:fillRect/>
-          </a:stretch>
-        </p:blipFill>
-        <p:spPr bwMode="auto">
-          <a:xfrm>
-            <a:off x="7050155" y="4043151"/>
-            <a:ext cx="4917704" cy="2814849"/>
-          </a:xfrm>
-          <a:prstGeom prst="rect">
-            <a:avLst/>
-          </a:prstGeom>
-          <a:noFill/>
-          <a:extLst>
-            <a:ext uri="{909E8E84-426E-40DD-AFC4-6F175D3DCCD1}">
-              <a14:hiddenFill xmlns:a14="http://schemas.microsoft.com/office/drawing/2010/main">
-                <a:solidFill>
-                  <a:srgbClr val="FFFFFF"/>
-                </a:solidFill>
-              </a14:hiddenFill>
-            </a:ext>
-          </a:extLst>
-        </p:spPr>
-      </p:pic>
+        </p:txBody>
+      </p:sp>
     </p:spTree>
     <p:extLst>
       <p:ext uri="{BB962C8B-B14F-4D97-AF65-F5344CB8AC3E}">
-        <p14:creationId xmlns:p14="http://schemas.microsoft.com/office/powerpoint/2010/main" val="4242865234"/>
+        <p14:creationId xmlns:p14="http://schemas.microsoft.com/office/powerpoint/2010/main" val="102667992"/>
       </p:ext>
     </p:extLst>
   </p:cSld>
@@ -8367,144 +8384,6 @@
         </p:nvSpPr>
         <p:spPr>
           <a:xfrm>
-            <a:off x="245255" y="500960"/>
-            <a:ext cx="10058400" cy="1609344"/>
-          </a:xfrm>
-        </p:spPr>
-        <p:txBody>
-          <a:bodyPr/>
-          <a:lstStyle/>
-          <a:p>
-            <a:r>
-              <a:rPr lang="en-US" dirty="0"/>
-              <a:t>Monte Carlo Simulation</a:t>
-            </a:r>
-          </a:p>
-        </p:txBody>
-      </p:sp>
-      <p:sp>
-        <p:nvSpPr>
-          <p:cNvPr id="5" name="Content Placeholder 4"/>
-          <p:cNvSpPr>
-            <a:spLocks noGrp="1"/>
-          </p:cNvSpPr>
-          <p:nvPr>
-            <p:ph idx="1"/>
-          </p:nvPr>
-        </p:nvSpPr>
-        <p:spPr>
-          <a:xfrm>
-            <a:off x="155121" y="1700038"/>
-            <a:ext cx="11732079" cy="4886292"/>
-          </a:xfrm>
-        </p:spPr>
-        <p:txBody>
-          <a:bodyPr>
-            <a:noAutofit/>
-          </a:bodyPr>
-          <a:lstStyle/>
-          <a:p>
-            <a:r>
-              <a:rPr lang="en-US" dirty="0"/>
-              <a:t>Analytical method that evaluates a lot of potential combinations of uncertain inputs – drawing from their range of possibilities – and calculates the overall outcome</a:t>
-            </a:r>
-            <a:endParaRPr lang="en-US" b="1" i="1" dirty="0"/>
-          </a:p>
-          <a:p>
-            <a:r>
-              <a:rPr lang="en-US" b="1" i="1" dirty="0"/>
-              <a:t>If K = f(</a:t>
-            </a:r>
-            <a:r>
-              <a:rPr lang="en-US" b="1" i="1" dirty="0" err="1"/>
-              <a:t>x,y,z</a:t>
-            </a:r>
-            <a:r>
-              <a:rPr lang="en-US" b="1" i="1" dirty="0"/>
-              <a:t>), and x, y, and z are not single point values but distributions, what is the distribution of K? What are the real-world impacts of different segments of K’s distribution?</a:t>
-            </a:r>
-            <a:endParaRPr lang="en-US" dirty="0"/>
-          </a:p>
-          <a:p>
-            <a:r>
-              <a:rPr lang="en-US" dirty="0"/>
-              <a:t>“It shows the extreme possibilities—the outcomes of going for broke and for the most conservative decision—along with all possible consequences for middle-of-the-road decisions.”</a:t>
-            </a:r>
-          </a:p>
-          <a:p>
-            <a:r>
-              <a:rPr lang="en-US" dirty="0"/>
-              <a:t>Invented during World War 2 Manhattan Project (atomic bomb), named after the Monte Carlo casinos</a:t>
-            </a:r>
-          </a:p>
-          <a:p>
-            <a:r>
-              <a:rPr lang="en-US" dirty="0"/>
-              <a:t>Helps decision-makers identify the range of total outcomes, including the “expected range” as well as “tail risk” (unlikely but highly impactful outcomes)</a:t>
-            </a:r>
-          </a:p>
-          <a:p>
-            <a:r>
-              <a:rPr lang="en-US" dirty="0"/>
-              <a:t>Finance (stress testing, mergers &amp; acquisitions), Oil &amp; Gas (investment decisions on drilling oil wells), Supply Chain (impact of variable demand, upon different facilities in the supply chain)</a:t>
-            </a:r>
-          </a:p>
-          <a:p>
-            <a:endParaRPr lang="en-US" dirty="0"/>
-          </a:p>
-          <a:p>
-            <a:pPr marL="0" indent="0">
-              <a:buNone/>
-            </a:pPr>
-            <a:endParaRPr lang="en-US" dirty="0"/>
-          </a:p>
-          <a:p>
-            <a:endParaRPr lang="en-US" dirty="0"/>
-          </a:p>
-        </p:txBody>
-      </p:sp>
-    </p:spTree>
-    <p:extLst>
-      <p:ext uri="{BB962C8B-B14F-4D97-AF65-F5344CB8AC3E}">
-        <p14:creationId xmlns:p14="http://schemas.microsoft.com/office/powerpoint/2010/main" val="102667992"/>
-      </p:ext>
-    </p:extLst>
-  </p:cSld>
-  <p:clrMapOvr>
-    <a:masterClrMapping/>
-  </p:clrMapOvr>
-</p:sld>
-</file>
-
-<file path=ppt/slides/slide7.xml><?xml version="1.0" encoding="utf-8"?>
-<p:sld xmlns:a="http://schemas.openxmlformats.org/drawingml/2006/main" xmlns:r="http://schemas.openxmlformats.org/officeDocument/2006/relationships" xmlns:p="http://schemas.openxmlformats.org/presentationml/2006/main">
-  <p:cSld>
-    <p:spTree>
-      <p:nvGrpSpPr>
-        <p:cNvPr id="1" name=""/>
-        <p:cNvGrpSpPr/>
-        <p:nvPr/>
-      </p:nvGrpSpPr>
-      <p:grpSpPr>
-        <a:xfrm>
-          <a:off x="0" y="0"/>
-          <a:ext cx="0" cy="0"/>
-          <a:chOff x="0" y="0"/>
-          <a:chExt cx="0" cy="0"/>
-        </a:xfrm>
-      </p:grpSpPr>
-      <p:sp>
-        <p:nvSpPr>
-          <p:cNvPr id="4" name="Title 3"/>
-          <p:cNvSpPr>
-            <a:spLocks noGrp="1"/>
-          </p:cNvSpPr>
-          <p:nvPr>
-            <p:ph type="title"/>
-          </p:nvPr>
-        </p:nvSpPr>
-        <p:spPr>
-          <a:xfrm>
             <a:off x="152447" y="492797"/>
             <a:ext cx="10058400" cy="1609344"/>
           </a:xfrm>
@@ -8544,7 +8423,15 @@
           <a:p>
             <a:r>
               <a:rPr lang="en-US" dirty="0"/>
-              <a:t>Described by two values, mean (mu) and standard deviation (sigma)</a:t>
+              <a:t>Described by two values, mean (mu) and standard deviation (sigma): N(</a:t>
+            </a:r>
+            <a:r>
+              <a:rPr lang="en-US" dirty="0" err="1"/>
+              <a:t>mean,SD</a:t>
+            </a:r>
+            <a:r>
+              <a:rPr lang="en-US" dirty="0"/>
+              <a:t>)</a:t>
             </a:r>
           </a:p>
           <a:p>
@@ -8593,7 +8480,7 @@
           <a:p>
             <a:r>
               <a:rPr lang="en-US" dirty="0"/>
-              <a:t>“Tail Risk” are those unlikely, but impactful outcomes… a pizza that comes in 5 minutes (-5 SD) or 55 minutes (+5 SD)</a:t>
+              <a:t>“Tail Risk” are those unlikely, but impactful outcomes… a pizza that comes in 15 minutes (-3 SD) or 45 minutes (+3 SD)</a:t>
             </a:r>
           </a:p>
           <a:p>
@@ -8662,6 +8549,118 @@
 </p:sld>
 </file>
 
+<file path=ppt/slides/slide7.xml><?xml version="1.0" encoding="utf-8"?>
+<p:sld xmlns:a="http://schemas.openxmlformats.org/drawingml/2006/main" xmlns:r="http://schemas.openxmlformats.org/officeDocument/2006/relationships" xmlns:p="http://schemas.openxmlformats.org/presentationml/2006/main">
+  <p:cSld>
+    <p:spTree>
+      <p:nvGrpSpPr>
+        <p:cNvPr id="1" name=""/>
+        <p:cNvGrpSpPr/>
+        <p:nvPr/>
+      </p:nvGrpSpPr>
+      <p:grpSpPr>
+        <a:xfrm>
+          <a:off x="0" y="0"/>
+          <a:ext cx="0" cy="0"/>
+          <a:chOff x="0" y="0"/>
+          <a:chExt cx="0" cy="0"/>
+        </a:xfrm>
+      </p:grpSpPr>
+      <p:sp>
+        <p:nvSpPr>
+          <p:cNvPr id="4" name="Title 3"/>
+          <p:cNvSpPr>
+            <a:spLocks noGrp="1"/>
+          </p:cNvSpPr>
+          <p:nvPr>
+            <p:ph type="title"/>
+          </p:nvPr>
+        </p:nvSpPr>
+        <p:spPr>
+          <a:xfrm>
+            <a:off x="318051" y="0"/>
+            <a:ext cx="11345333" cy="1609344"/>
+          </a:xfrm>
+        </p:spPr>
+        <p:txBody>
+          <a:bodyPr>
+            <a:normAutofit/>
+          </a:bodyPr>
+          <a:lstStyle/>
+          <a:p>
+            <a:r>
+              <a:rPr lang="en-US" sz="4000" dirty="0"/>
+              <a:t>Monte Carlo Simulation – Ralph &amp; Bob go to dinner</a:t>
+            </a:r>
+          </a:p>
+        </p:txBody>
+      </p:sp>
+      <p:sp>
+        <p:nvSpPr>
+          <p:cNvPr id="5" name="Content Placeholder 4"/>
+          <p:cNvSpPr>
+            <a:spLocks noGrp="1"/>
+          </p:cNvSpPr>
+          <p:nvPr>
+            <p:ph idx="1"/>
+          </p:nvPr>
+        </p:nvSpPr>
+        <p:spPr>
+          <a:xfrm>
+            <a:off x="81643" y="1609344"/>
+            <a:ext cx="11681994" cy="4552917"/>
+          </a:xfrm>
+        </p:spPr>
+        <p:txBody>
+          <a:bodyPr>
+            <a:normAutofit fontScale="92500" lnSpcReduction="10000"/>
+          </a:bodyPr>
+          <a:lstStyle/>
+          <a:p>
+            <a:r>
+              <a:rPr lang="en-US" sz="3600" dirty="0"/>
+              <a:t>Ralph and his next-door neighbor Bob both work in downtown Minneapolis, and take the same bus route, from the same bus stops, to and from work</a:t>
+            </a:r>
+          </a:p>
+          <a:p>
+            <a:r>
+              <a:rPr lang="en-US" sz="3600" dirty="0"/>
+              <a:t>We have reservations to go to dinner at 6:15pm on a weeknight at a popular restaurant in our neighborhood.  We’ll leave the office at 5:30pm.  </a:t>
+            </a:r>
+          </a:p>
+          <a:p>
+            <a:r>
+              <a:rPr lang="en-US" sz="3600" b="1" i="1" dirty="0"/>
+              <a:t>Will we make it in time?</a:t>
+            </a:r>
+          </a:p>
+          <a:p>
+            <a:endParaRPr lang="en-US" sz="3600" b="1" i="1" dirty="0"/>
+          </a:p>
+          <a:p>
+            <a:r>
+              <a:rPr lang="en-US" sz="2800" dirty="0"/>
+              <a:t>https://datadrivensupplychain.shinyapps.io/restaurant_sim_app/</a:t>
+            </a:r>
+          </a:p>
+          <a:p>
+            <a:endParaRPr lang="en-US" sz="3600" b="1" i="1" dirty="0"/>
+          </a:p>
+        </p:txBody>
+      </p:sp>
+    </p:spTree>
+    <p:extLst>
+      <p:ext uri="{BB962C8B-B14F-4D97-AF65-F5344CB8AC3E}">
+        <p14:creationId xmlns:p14="http://schemas.microsoft.com/office/powerpoint/2010/main" val="2774847486"/>
+      </p:ext>
+    </p:extLst>
+  </p:cSld>
+  <p:clrMapOvr>
+    <a:masterClrMapping/>
+  </p:clrMapOvr>
+</p:sld>
+</file>
+
 <file path=ppt/slides/slide8.xml><?xml version="1.0" encoding="utf-8"?>
 <p:sld xmlns:a="http://schemas.openxmlformats.org/drawingml/2006/main" xmlns:r="http://schemas.openxmlformats.org/officeDocument/2006/relationships" xmlns:p="http://schemas.openxmlformats.org/presentationml/2006/main">
   <p:cSld>
@@ -8681,18 +8680,18 @@
       </p:grpSpPr>
       <p:sp>
         <p:nvSpPr>
-          <p:cNvPr id="4" name="Title 3"/>
-          <p:cNvSpPr>
-            <a:spLocks noGrp="1"/>
-          </p:cNvSpPr>
-          <p:nvPr>
-            <p:ph type="title"/>
+          <p:cNvPr id="5" name="Content Placeholder 4"/>
+          <p:cNvSpPr>
+            <a:spLocks noGrp="1"/>
+          </p:cNvSpPr>
+          <p:nvPr>
+            <p:ph idx="1"/>
           </p:nvPr>
         </p:nvSpPr>
         <p:spPr>
           <a:xfrm>
-            <a:off x="318051" y="0"/>
-            <a:ext cx="11345333" cy="1609344"/>
+            <a:off x="110024" y="5184804"/>
+            <a:ext cx="11375686" cy="4243799"/>
           </a:xfrm>
         </p:spPr>
         <p:txBody>
@@ -8701,68 +8700,699 @@
           </a:bodyPr>
           <a:lstStyle/>
           <a:p>
-            <a:r>
-              <a:rPr lang="en-US" sz="4000" dirty="0"/>
-              <a:t>Monte Carlo Simulation – Ralph &amp; Bob go to dinner</a:t>
-            </a:r>
-          </a:p>
-        </p:txBody>
-      </p:sp>
-      <p:sp>
-        <p:nvSpPr>
-          <p:cNvPr id="5" name="Content Placeholder 4"/>
-          <p:cNvSpPr>
-            <a:spLocks noGrp="1"/>
-          </p:cNvSpPr>
-          <p:nvPr>
-            <p:ph idx="1"/>
-          </p:nvPr>
-        </p:nvSpPr>
+            <a:pPr marL="0" indent="0">
+              <a:buNone/>
+            </a:pPr>
+            <a:r>
+              <a:rPr lang="en-US" sz="2800" dirty="0"/>
+              <a:t>Expected Arrival Time, Based Upon Averages: 5:30pm + 30mins commute + 10mins walk = 6:10pm.  </a:t>
+            </a:r>
+            <a:r>
+              <a:rPr lang="en-US" sz="2800" b="1" i="1" u="sng" dirty="0"/>
+              <a:t>5 minutes early for our 6:15pm reservation!</a:t>
+            </a:r>
+          </a:p>
+          <a:p>
+            <a:pPr marL="0" indent="0">
+              <a:buNone/>
+            </a:pPr>
+            <a:r>
+              <a:rPr lang="en-US" i="1" dirty="0"/>
+              <a:t>https://datadrivensupplychain.shinyapps.io/restaurant_sim_app/</a:t>
+            </a:r>
+          </a:p>
+        </p:txBody>
+      </p:sp>
+      <p:pic>
+        <p:nvPicPr>
+          <p:cNvPr id="6" name="Picture 5">
+            <a:extLst>
+              <a:ext uri="{FF2B5EF4-FFF2-40B4-BE49-F238E27FC236}">
+                <a16:creationId xmlns:a16="http://schemas.microsoft.com/office/drawing/2014/main" id="{64AA3DC5-D7D9-4094-90BD-B377DE161B24}"/>
+              </a:ext>
+            </a:extLst>
+          </p:cNvPr>
+          <p:cNvPicPr>
+            <a:picLocks noChangeAspect="1"/>
+          </p:cNvPicPr>
+          <p:nvPr/>
+        </p:nvPicPr>
+        <p:blipFill>
+          <a:blip r:embed="rId3"/>
+          <a:stretch>
+            <a:fillRect/>
+          </a:stretch>
+        </p:blipFill>
         <p:spPr>
           <a:xfrm>
-            <a:off x="81643" y="1609344"/>
-            <a:ext cx="11681994" cy="4552917"/>
-          </a:xfrm>
+            <a:off x="2265831" y="738782"/>
+            <a:ext cx="1408533" cy="1416188"/>
+          </a:xfrm>
+          <a:prstGeom prst="rect">
+            <a:avLst/>
+          </a:prstGeom>
         </p:spPr>
-        <p:txBody>
-          <a:bodyPr>
-            <a:normAutofit/>
+      </p:pic>
+      <p:pic>
+        <p:nvPicPr>
+          <p:cNvPr id="8" name="Picture 7">
+            <a:extLst>
+              <a:ext uri="{FF2B5EF4-FFF2-40B4-BE49-F238E27FC236}">
+                <a16:creationId xmlns:a16="http://schemas.microsoft.com/office/drawing/2014/main" id="{C00BB2D9-1672-4816-AF22-F873DB018EA0}"/>
+              </a:ext>
+            </a:extLst>
+          </p:cNvPr>
+          <p:cNvPicPr>
+            <a:picLocks noChangeAspect="1"/>
+          </p:cNvPicPr>
+          <p:nvPr/>
+        </p:nvPicPr>
+        <p:blipFill>
+          <a:blip r:embed="rId4"/>
+          <a:stretch>
+            <a:fillRect/>
+          </a:stretch>
+        </p:blipFill>
+        <p:spPr>
+          <a:xfrm>
+            <a:off x="1850540" y="3619160"/>
+            <a:ext cx="1876333" cy="1119867"/>
+          </a:xfrm>
+          <a:prstGeom prst="rect">
+            <a:avLst/>
+          </a:prstGeom>
+        </p:spPr>
+      </p:pic>
+      <p:pic>
+        <p:nvPicPr>
+          <p:cNvPr id="1026" name="Picture 2" descr="Hybrid bus">
+            <a:extLst>
+              <a:ext uri="{FF2B5EF4-FFF2-40B4-BE49-F238E27FC236}">
+                <a16:creationId xmlns:a16="http://schemas.microsoft.com/office/drawing/2014/main" id="{EA42A2F9-A4AD-44B1-AC48-095ADCF98230}"/>
+              </a:ext>
+            </a:extLst>
+          </p:cNvPr>
+          <p:cNvPicPr>
+            <a:picLocks noChangeAspect="1" noChangeArrowheads="1"/>
+          </p:cNvPicPr>
+          <p:nvPr/>
+        </p:nvPicPr>
+        <p:blipFill>
+          <a:blip r:embed="rId5" cstate="print">
+            <a:extLst>
+              <a:ext uri="{28A0092B-C50C-407E-A947-70E740481C1C}">
+                <a14:useLocalDpi xmlns:a14="http://schemas.microsoft.com/office/drawing/2010/main" val="0"/>
+              </a:ext>
+            </a:extLst>
+          </a:blip>
+          <a:srcRect/>
+          <a:stretch>
+            <a:fillRect/>
+          </a:stretch>
+        </p:blipFill>
+        <p:spPr bwMode="auto">
+          <a:xfrm>
+            <a:off x="3868265" y="3683336"/>
+            <a:ext cx="1508352" cy="1005568"/>
+          </a:xfrm>
+          <a:prstGeom prst="rect">
+            <a:avLst/>
+          </a:prstGeom>
+          <a:noFill/>
+          <a:extLst>
+            <a:ext uri="{909E8E84-426E-40DD-AFC4-6F175D3DCCD1}">
+              <a14:hiddenFill xmlns:a14="http://schemas.microsoft.com/office/drawing/2010/main">
+                <a:solidFill>
+                  <a:srgbClr val="FFFFFF"/>
+                </a:solidFill>
+              </a14:hiddenFill>
+            </a:ext>
+          </a:extLst>
+        </p:spPr>
+      </p:pic>
+      <p:pic>
+        <p:nvPicPr>
+          <p:cNvPr id="11" name="Picture 10">
+            <a:extLst>
+              <a:ext uri="{FF2B5EF4-FFF2-40B4-BE49-F238E27FC236}">
+                <a16:creationId xmlns:a16="http://schemas.microsoft.com/office/drawing/2014/main" id="{B08B94A5-2DB7-4411-BCB1-37EF937AA608}"/>
+              </a:ext>
+            </a:extLst>
+          </p:cNvPr>
+          <p:cNvPicPr>
+            <a:picLocks noChangeAspect="1"/>
+          </p:cNvPicPr>
+          <p:nvPr/>
+        </p:nvPicPr>
+        <p:blipFill>
+          <a:blip r:embed="rId6"/>
+          <a:stretch>
+            <a:fillRect/>
+          </a:stretch>
+        </p:blipFill>
+        <p:spPr>
+          <a:xfrm>
+            <a:off x="5639951" y="3747807"/>
+            <a:ext cx="1508352" cy="929637"/>
+          </a:xfrm>
+          <a:prstGeom prst="rect">
+            <a:avLst/>
+          </a:prstGeom>
+        </p:spPr>
+      </p:pic>
+      <p:pic>
+        <p:nvPicPr>
+          <p:cNvPr id="13" name="Picture 2" descr="Hybrid bus">
+            <a:extLst>
+              <a:ext uri="{FF2B5EF4-FFF2-40B4-BE49-F238E27FC236}">
+                <a16:creationId xmlns:a16="http://schemas.microsoft.com/office/drawing/2014/main" id="{C522EB82-C5BC-41DB-9323-E55D64786E2A}"/>
+              </a:ext>
+            </a:extLst>
+          </p:cNvPr>
+          <p:cNvPicPr>
+            <a:picLocks noChangeAspect="1" noChangeArrowheads="1"/>
+          </p:cNvPicPr>
+          <p:nvPr/>
+        </p:nvPicPr>
+        <p:blipFill>
+          <a:blip r:embed="rId5" cstate="print">
+            <a:extLst>
+              <a:ext uri="{28A0092B-C50C-407E-A947-70E740481C1C}">
+                <a14:useLocalDpi xmlns:a14="http://schemas.microsoft.com/office/drawing/2010/main" val="0"/>
+              </a:ext>
+            </a:extLst>
+          </a:blip>
+          <a:srcRect/>
+          <a:stretch>
+            <a:fillRect/>
+          </a:stretch>
+        </p:blipFill>
+        <p:spPr bwMode="auto">
+          <a:xfrm>
+            <a:off x="3851936" y="944092"/>
+            <a:ext cx="1508352" cy="1005568"/>
+          </a:xfrm>
+          <a:prstGeom prst="rect">
+            <a:avLst/>
+          </a:prstGeom>
+          <a:noFill/>
+          <a:extLst>
+            <a:ext uri="{909E8E84-426E-40DD-AFC4-6F175D3DCCD1}">
+              <a14:hiddenFill xmlns:a14="http://schemas.microsoft.com/office/drawing/2010/main">
+                <a:solidFill>
+                  <a:srgbClr val="FFFFFF"/>
+                </a:solidFill>
+              </a14:hiddenFill>
+            </a:ext>
+          </a:extLst>
+        </p:spPr>
+      </p:pic>
+      <p:pic>
+        <p:nvPicPr>
+          <p:cNvPr id="14" name="Picture 13">
+            <a:extLst>
+              <a:ext uri="{FF2B5EF4-FFF2-40B4-BE49-F238E27FC236}">
+                <a16:creationId xmlns:a16="http://schemas.microsoft.com/office/drawing/2014/main" id="{C6D33039-989B-4E5B-AB60-458C9A0CC992}"/>
+              </a:ext>
+            </a:extLst>
+          </p:cNvPr>
+          <p:cNvPicPr>
+            <a:picLocks noChangeAspect="1"/>
+          </p:cNvPicPr>
+          <p:nvPr/>
+        </p:nvPicPr>
+        <p:blipFill>
+          <a:blip r:embed="rId7"/>
+          <a:stretch>
+            <a:fillRect/>
+          </a:stretch>
+        </p:blipFill>
+        <p:spPr>
+          <a:xfrm>
+            <a:off x="5623622" y="944092"/>
+            <a:ext cx="1338346" cy="1005568"/>
+          </a:xfrm>
+          <a:prstGeom prst="rect">
+            <a:avLst/>
+          </a:prstGeom>
+        </p:spPr>
+      </p:pic>
+      <p:pic>
+        <p:nvPicPr>
+          <p:cNvPr id="16" name="Picture 15">
+            <a:extLst>
+              <a:ext uri="{FF2B5EF4-FFF2-40B4-BE49-F238E27FC236}">
+                <a16:creationId xmlns:a16="http://schemas.microsoft.com/office/drawing/2014/main" id="{589AE815-257B-430D-AB55-811492946223}"/>
+              </a:ext>
+            </a:extLst>
+          </p:cNvPr>
+          <p:cNvPicPr>
+            <a:picLocks noChangeAspect="1"/>
+          </p:cNvPicPr>
+          <p:nvPr/>
+        </p:nvPicPr>
+        <p:blipFill>
+          <a:blip r:embed="rId8"/>
+          <a:stretch>
+            <a:fillRect/>
+          </a:stretch>
+        </p:blipFill>
+        <p:spPr>
+          <a:xfrm>
+            <a:off x="110024" y="3496804"/>
+            <a:ext cx="1351413" cy="1379764"/>
+          </a:xfrm>
+          <a:prstGeom prst="rect">
+            <a:avLst/>
+          </a:prstGeom>
+        </p:spPr>
+      </p:pic>
+      <p:pic>
+        <p:nvPicPr>
+          <p:cNvPr id="18" name="Picture 17">
+            <a:extLst>
+              <a:ext uri="{FF2B5EF4-FFF2-40B4-BE49-F238E27FC236}">
+                <a16:creationId xmlns:a16="http://schemas.microsoft.com/office/drawing/2014/main" id="{CF45C003-2FE1-42BA-B9EF-78FE7541292A}"/>
+              </a:ext>
+            </a:extLst>
+          </p:cNvPr>
+          <p:cNvPicPr>
+            <a:picLocks noChangeAspect="1"/>
+          </p:cNvPicPr>
+          <p:nvPr/>
+        </p:nvPicPr>
+        <p:blipFill>
+          <a:blip r:embed="rId9"/>
+          <a:stretch>
+            <a:fillRect/>
+          </a:stretch>
+        </p:blipFill>
+        <p:spPr>
+          <a:xfrm>
+            <a:off x="16536" y="844174"/>
+            <a:ext cx="1571043" cy="872218"/>
+          </a:xfrm>
+          <a:prstGeom prst="rect">
+            <a:avLst/>
+          </a:prstGeom>
+        </p:spPr>
+      </p:pic>
+      <p:sp>
+        <p:nvSpPr>
+          <p:cNvPr id="21" name="Rectangle 20">
+            <a:extLst>
+              <a:ext uri="{FF2B5EF4-FFF2-40B4-BE49-F238E27FC236}">
+                <a16:creationId xmlns:a16="http://schemas.microsoft.com/office/drawing/2014/main" id="{7D20E7CC-EDEC-4445-9A6D-1AF6C837A0E3}"/>
+              </a:ext>
+            </a:extLst>
+          </p:cNvPr>
+          <p:cNvSpPr/>
+          <p:nvPr/>
+        </p:nvSpPr>
+        <p:spPr>
+          <a:xfrm>
+            <a:off x="1866867" y="220329"/>
+            <a:ext cx="5297763" cy="368997"/>
+          </a:xfrm>
+          <a:prstGeom prst="rect">
+            <a:avLst/>
+          </a:prstGeom>
+        </p:spPr>
+        <p:style>
+          <a:lnRef idx="2">
+            <a:schemeClr val="accent1">
+              <a:shade val="50000"/>
+            </a:schemeClr>
+          </a:lnRef>
+          <a:fillRef idx="1">
+            <a:schemeClr val="accent1"/>
+          </a:fillRef>
+          <a:effectRef idx="0">
+            <a:schemeClr val="accent1"/>
+          </a:effectRef>
+          <a:fontRef idx="minor">
+            <a:schemeClr val="lt1"/>
+          </a:fontRef>
+        </p:style>
+        <p:txBody>
+          <a:bodyPr rtlCol="0" anchor="ctr"/>
+          <a:lstStyle/>
+          <a:p>
+            <a:pPr algn="ctr"/>
+            <a:r>
+              <a:rPr lang="en-US" sz="1200" dirty="0"/>
+              <a:t>Time Elapsed Between Leaving Office and Arriving At Home: N(30,10)</a:t>
+            </a:r>
+          </a:p>
+        </p:txBody>
+      </p:sp>
+      <p:sp>
+        <p:nvSpPr>
+          <p:cNvPr id="20" name="Rectangle 19">
+            <a:extLst>
+              <a:ext uri="{FF2B5EF4-FFF2-40B4-BE49-F238E27FC236}">
+                <a16:creationId xmlns:a16="http://schemas.microsoft.com/office/drawing/2014/main" id="{EC6350CA-358C-4AB1-A1C7-35FF94286773}"/>
+              </a:ext>
+            </a:extLst>
+          </p:cNvPr>
+          <p:cNvSpPr/>
+          <p:nvPr/>
+        </p:nvSpPr>
+        <p:spPr>
+          <a:xfrm>
+            <a:off x="1639009" y="220330"/>
+            <a:ext cx="135883" cy="4751720"/>
+          </a:xfrm>
+          <a:prstGeom prst="rect">
+            <a:avLst/>
+          </a:prstGeom>
+          <a:solidFill>
+            <a:schemeClr val="tx1"/>
+          </a:solidFill>
+        </p:spPr>
+        <p:style>
+          <a:lnRef idx="2">
+            <a:schemeClr val="accent1">
+              <a:shade val="50000"/>
+            </a:schemeClr>
+          </a:lnRef>
+          <a:fillRef idx="1">
+            <a:schemeClr val="accent1"/>
+          </a:fillRef>
+          <a:effectRef idx="0">
+            <a:schemeClr val="accent1"/>
+          </a:effectRef>
+          <a:fontRef idx="minor">
+            <a:schemeClr val="lt1"/>
+          </a:fontRef>
+        </p:style>
+        <p:txBody>
+          <a:bodyPr rtlCol="0" anchor="ctr"/>
+          <a:lstStyle/>
+          <a:p>
+            <a:pPr algn="ctr"/>
+            <a:endParaRPr lang="en-US"/>
+          </a:p>
+        </p:txBody>
+      </p:sp>
+      <p:pic>
+        <p:nvPicPr>
+          <p:cNvPr id="23" name="Picture 22">
+            <a:extLst>
+              <a:ext uri="{FF2B5EF4-FFF2-40B4-BE49-F238E27FC236}">
+                <a16:creationId xmlns:a16="http://schemas.microsoft.com/office/drawing/2014/main" id="{6103BDB2-3AB2-4742-9FD4-934EBAF6A544}"/>
+              </a:ext>
+            </a:extLst>
+          </p:cNvPr>
+          <p:cNvPicPr>
+            <a:picLocks noChangeAspect="1"/>
+          </p:cNvPicPr>
+          <p:nvPr/>
+        </p:nvPicPr>
+        <p:blipFill>
+          <a:blip r:embed="rId10"/>
+          <a:stretch>
+            <a:fillRect/>
+          </a:stretch>
+        </p:blipFill>
+        <p:spPr>
+          <a:xfrm>
+            <a:off x="7467766" y="1716392"/>
+            <a:ext cx="1552191" cy="1609345"/>
+          </a:xfrm>
+          <a:prstGeom prst="rect">
+            <a:avLst/>
+          </a:prstGeom>
+        </p:spPr>
+      </p:pic>
+      <p:sp>
+        <p:nvSpPr>
+          <p:cNvPr id="27" name="Rectangle 26">
+            <a:extLst>
+              <a:ext uri="{FF2B5EF4-FFF2-40B4-BE49-F238E27FC236}">
+                <a16:creationId xmlns:a16="http://schemas.microsoft.com/office/drawing/2014/main" id="{538B2480-7387-4792-9BEC-A1A5B56D3D7E}"/>
+              </a:ext>
+            </a:extLst>
+          </p:cNvPr>
+          <p:cNvSpPr/>
+          <p:nvPr/>
+        </p:nvSpPr>
+        <p:spPr>
+          <a:xfrm>
+            <a:off x="7427965" y="1040264"/>
+            <a:ext cx="4435038" cy="478293"/>
+          </a:xfrm>
+          <a:prstGeom prst="rect">
+            <a:avLst/>
+          </a:prstGeom>
+        </p:spPr>
+        <p:style>
+          <a:lnRef idx="2">
+            <a:schemeClr val="accent1">
+              <a:shade val="50000"/>
+            </a:schemeClr>
+          </a:lnRef>
+          <a:fillRef idx="1">
+            <a:schemeClr val="accent1"/>
+          </a:fillRef>
+          <a:effectRef idx="0">
+            <a:schemeClr val="accent1"/>
+          </a:effectRef>
+          <a:fontRef idx="minor">
+            <a:schemeClr val="lt1"/>
+          </a:fontRef>
+        </p:style>
+        <p:txBody>
+          <a:bodyPr rtlCol="0" anchor="ctr"/>
+          <a:lstStyle/>
+          <a:p>
+            <a:pPr algn="ctr"/>
+            <a:r>
+              <a:rPr lang="en-US" sz="1600" dirty="0"/>
+              <a:t>Time Walking From Home to Restaurant: N(10,2), Depart After Later Arrival</a:t>
+            </a:r>
+          </a:p>
+        </p:txBody>
+      </p:sp>
+      <p:pic>
+        <p:nvPicPr>
+          <p:cNvPr id="25" name="Picture 24">
+            <a:extLst>
+              <a:ext uri="{FF2B5EF4-FFF2-40B4-BE49-F238E27FC236}">
+                <a16:creationId xmlns:a16="http://schemas.microsoft.com/office/drawing/2014/main" id="{D1F284D1-D1AC-4E8C-B645-EE6A73CD9D7D}"/>
+              </a:ext>
+            </a:extLst>
+          </p:cNvPr>
+          <p:cNvPicPr>
+            <a:picLocks noChangeAspect="1"/>
+          </p:cNvPicPr>
+          <p:nvPr/>
+        </p:nvPicPr>
+        <p:blipFill>
+          <a:blip r:embed="rId11"/>
+          <a:stretch>
+            <a:fillRect/>
+          </a:stretch>
+        </p:blipFill>
+        <p:spPr>
+          <a:xfrm>
+            <a:off x="9215010" y="1753379"/>
+            <a:ext cx="2314327" cy="1402402"/>
+          </a:xfrm>
+          <a:prstGeom prst="rect">
+            <a:avLst/>
+          </a:prstGeom>
+        </p:spPr>
+      </p:pic>
+      <p:sp>
+        <p:nvSpPr>
+          <p:cNvPr id="30" name="Rectangle 29">
+            <a:extLst>
+              <a:ext uri="{FF2B5EF4-FFF2-40B4-BE49-F238E27FC236}">
+                <a16:creationId xmlns:a16="http://schemas.microsoft.com/office/drawing/2014/main" id="{43B548D8-E1AF-47DF-A105-474E6EE511AA}"/>
+              </a:ext>
+            </a:extLst>
+          </p:cNvPr>
+          <p:cNvSpPr/>
+          <p:nvPr/>
+        </p:nvSpPr>
+        <p:spPr>
+          <a:xfrm>
+            <a:off x="1880875" y="3123567"/>
+            <a:ext cx="5297763" cy="368997"/>
+          </a:xfrm>
+          <a:prstGeom prst="rect">
+            <a:avLst/>
+          </a:prstGeom>
+        </p:spPr>
+        <p:style>
+          <a:lnRef idx="2">
+            <a:schemeClr val="accent1">
+              <a:shade val="50000"/>
+            </a:schemeClr>
+          </a:lnRef>
+          <a:fillRef idx="1">
+            <a:schemeClr val="accent1"/>
+          </a:fillRef>
+          <a:effectRef idx="0">
+            <a:schemeClr val="accent1"/>
+          </a:effectRef>
+          <a:fontRef idx="minor">
+            <a:schemeClr val="lt1"/>
+          </a:fontRef>
+        </p:style>
+        <p:txBody>
+          <a:bodyPr rtlCol="0" anchor="ctr"/>
+          <a:lstStyle/>
+          <a:p>
+            <a:pPr algn="ctr"/>
+            <a:r>
+              <a:rPr lang="en-US" sz="1200" dirty="0"/>
+              <a:t>Time Elapsed Between Leaving Office and Arriving At Home: N(30,10)</a:t>
+            </a:r>
+          </a:p>
+        </p:txBody>
+      </p:sp>
+      <p:sp>
+        <p:nvSpPr>
+          <p:cNvPr id="33" name="TextBox 32">
+            <a:extLst>
+              <a:ext uri="{FF2B5EF4-FFF2-40B4-BE49-F238E27FC236}">
+                <a16:creationId xmlns:a16="http://schemas.microsoft.com/office/drawing/2014/main" id="{50D9B8D2-D5FA-4E7B-8C3C-146FD51A6E51}"/>
+              </a:ext>
+            </a:extLst>
+          </p:cNvPr>
+          <p:cNvSpPr txBox="1"/>
+          <p:nvPr/>
+        </p:nvSpPr>
+        <p:spPr>
+          <a:xfrm>
+            <a:off x="2455880" y="2454580"/>
+            <a:ext cx="6368142" cy="369332"/>
+          </a:xfrm>
+          <a:prstGeom prst="rect">
+            <a:avLst/>
+          </a:prstGeom>
+          <a:noFill/>
+        </p:spPr>
+        <p:txBody>
+          <a:bodyPr wrap="square">
+            <a:spAutoFit/>
           </a:bodyPr>
           <a:lstStyle/>
           <a:p>
-            <a:r>
-              <a:rPr lang="en-US" sz="3600" dirty="0"/>
-              <a:t>Ralph and his next-door neighbor Bob both work  in downtown Minneapolis, and take the same bus route, from the same bus stops, to and from work</a:t>
-            </a:r>
-          </a:p>
-          <a:p>
-            <a:r>
-              <a:rPr lang="en-US" sz="3600" dirty="0"/>
-              <a:t>We have reservations to go to dinner at 6:15pm on a weeknight at a popular restaurant in our neighborhood… </a:t>
-            </a:r>
-            <a:r>
-              <a:rPr lang="en-US" sz="3600" b="1" i="1" dirty="0"/>
-              <a:t>will we make it in time?</a:t>
-            </a:r>
-          </a:p>
-          <a:p>
-            <a:endParaRPr lang="en-US" sz="3600" b="1" i="1" dirty="0"/>
-          </a:p>
-          <a:p>
-            <a:r>
-              <a:rPr lang="en-US" sz="2800" dirty="0"/>
-              <a:t>https://datadrivensupplychain.shinyapps.io/restaurant_sim_app/</a:t>
-            </a:r>
-          </a:p>
-          <a:p>
-            <a:endParaRPr lang="en-US" sz="3600" b="1" i="1" dirty="0"/>
+            <a:pPr marL="0" indent="0">
+              <a:buNone/>
+            </a:pPr>
+            <a:r>
+              <a:rPr lang="en-US" sz="1800" b="1" u="sng" dirty="0"/>
+              <a:t>We May Not Take the Same Bus</a:t>
+            </a:r>
+          </a:p>
+        </p:txBody>
+      </p:sp>
+      <p:sp>
+        <p:nvSpPr>
+          <p:cNvPr id="32" name="Rectangle 31">
+            <a:extLst>
+              <a:ext uri="{FF2B5EF4-FFF2-40B4-BE49-F238E27FC236}">
+                <a16:creationId xmlns:a16="http://schemas.microsoft.com/office/drawing/2014/main" id="{5E8115EA-EEDB-4F63-ACC3-4E6BE43047F1}"/>
+              </a:ext>
+            </a:extLst>
+          </p:cNvPr>
+          <p:cNvSpPr/>
+          <p:nvPr/>
+        </p:nvSpPr>
+        <p:spPr>
+          <a:xfrm>
+            <a:off x="2374104" y="2138573"/>
+            <a:ext cx="1191986" cy="138874"/>
+          </a:xfrm>
+          <a:prstGeom prst="rect">
+            <a:avLst/>
+          </a:prstGeom>
+        </p:spPr>
+        <p:style>
+          <a:lnRef idx="2">
+            <a:schemeClr val="accent1">
+              <a:shade val="50000"/>
+            </a:schemeClr>
+          </a:lnRef>
+          <a:fillRef idx="1">
+            <a:schemeClr val="accent1"/>
+          </a:fillRef>
+          <a:effectRef idx="0">
+            <a:schemeClr val="accent1"/>
+          </a:effectRef>
+          <a:fontRef idx="minor">
+            <a:schemeClr val="lt1"/>
+          </a:fontRef>
+        </p:style>
+        <p:txBody>
+          <a:bodyPr rtlCol="0" anchor="ctr"/>
+          <a:lstStyle/>
+          <a:p>
+            <a:pPr algn="ctr"/>
+            <a:r>
+              <a:rPr lang="en-US" sz="1050" dirty="0"/>
+              <a:t>Leave 5:30pm</a:t>
+            </a:r>
+          </a:p>
+        </p:txBody>
+      </p:sp>
+      <p:sp>
+        <p:nvSpPr>
+          <p:cNvPr id="37" name="Rectangle 36">
+            <a:extLst>
+              <a:ext uri="{FF2B5EF4-FFF2-40B4-BE49-F238E27FC236}">
+                <a16:creationId xmlns:a16="http://schemas.microsoft.com/office/drawing/2014/main" id="{5CB5F337-0AA9-4CA9-AD23-16B1A55341FB}"/>
+              </a:ext>
+            </a:extLst>
+          </p:cNvPr>
+          <p:cNvSpPr/>
+          <p:nvPr/>
+        </p:nvSpPr>
+        <p:spPr>
+          <a:xfrm>
+            <a:off x="2237858" y="4753604"/>
+            <a:ext cx="1191986" cy="138874"/>
+          </a:xfrm>
+          <a:prstGeom prst="rect">
+            <a:avLst/>
+          </a:prstGeom>
+        </p:spPr>
+        <p:style>
+          <a:lnRef idx="2">
+            <a:schemeClr val="accent1">
+              <a:shade val="50000"/>
+            </a:schemeClr>
+          </a:lnRef>
+          <a:fillRef idx="1">
+            <a:schemeClr val="accent1"/>
+          </a:fillRef>
+          <a:effectRef idx="0">
+            <a:schemeClr val="accent1"/>
+          </a:effectRef>
+          <a:fontRef idx="minor">
+            <a:schemeClr val="lt1"/>
+          </a:fontRef>
+        </p:style>
+        <p:txBody>
+          <a:bodyPr rtlCol="0" anchor="ctr"/>
+          <a:lstStyle/>
+          <a:p>
+            <a:pPr algn="ctr"/>
+            <a:r>
+              <a:rPr lang="en-US" sz="1050" dirty="0"/>
+              <a:t>Leave 5:30pm</a:t>
+            </a:r>
           </a:p>
         </p:txBody>
       </p:sp>
     </p:spTree>
     <p:extLst>
       <p:ext uri="{BB962C8B-B14F-4D97-AF65-F5344CB8AC3E}">
-        <p14:creationId xmlns:p14="http://schemas.microsoft.com/office/powerpoint/2010/main" val="2774847486"/>
+        <p14:creationId xmlns:p14="http://schemas.microsoft.com/office/powerpoint/2010/main" val="1995630877"/>
       </p:ext>
     </p:extLst>
   </p:cSld>
@@ -8791,126 +9421,150 @@
       </p:grpSpPr>
       <p:sp>
         <p:nvSpPr>
-          <p:cNvPr id="4" name="Title 3"/>
-          <p:cNvSpPr>
-            <a:spLocks noGrp="1"/>
-          </p:cNvSpPr>
-          <p:nvPr>
-            <p:ph type="title"/>
-          </p:nvPr>
+          <p:cNvPr id="2" name="Content Placeholder 1"/>
+          <p:cNvSpPr>
+            <a:spLocks noGrp="1"/>
+          </p:cNvSpPr>
+          <p:nvPr>
+            <p:ph idx="1"/>
+          </p:nvPr>
+        </p:nvSpPr>
+        <p:spPr>
+          <a:xfrm>
+            <a:off x="0" y="4442674"/>
+            <a:ext cx="11870267" cy="2415326"/>
+          </a:xfrm>
+        </p:spPr>
+        <p:txBody>
+          <a:bodyPr>
+            <a:normAutofit lnSpcReduction="10000"/>
+          </a:bodyPr>
+          <a:lstStyle/>
+          <a:p>
+            <a:r>
+              <a:rPr lang="en-US" dirty="0"/>
+              <a:t>First simulation: I get home at 6:01pm, Bob got home at 5:54pm.  When I got home at 6:01pm, we took about 10 minutes to walk to the restaurant… arrived 6:11pm.  Right on average!</a:t>
+            </a:r>
+          </a:p>
+          <a:p>
+            <a:r>
+              <a:rPr lang="en-US" dirty="0"/>
+              <a:t>Second simulation: we both have a really short commute, get there 13 minutes early!</a:t>
+            </a:r>
+          </a:p>
+          <a:p>
+            <a:r>
+              <a:rPr lang="en-US" dirty="0"/>
+              <a:t>Third simulation: Bob’s commute was a little longer than average, but we got there two minutes early….</a:t>
+            </a:r>
+          </a:p>
+          <a:p>
+            <a:r>
+              <a:rPr lang="en-US" dirty="0"/>
+              <a:t>Fourth simulation: Bob’s commute was horrid.  We missed our table.</a:t>
+            </a:r>
+          </a:p>
+          <a:p>
+            <a:r>
+              <a:rPr lang="en-US" sz="2000" b="1" dirty="0"/>
+              <a:t>https://datadrivensupplychain.shinyapps.io/restaurant_sim_app/</a:t>
+            </a:r>
+          </a:p>
+          <a:p>
+            <a:endParaRPr lang="en-US" dirty="0"/>
+          </a:p>
+        </p:txBody>
+      </p:sp>
+      <p:pic>
+        <p:nvPicPr>
+          <p:cNvPr id="10" name="Picture 9"/>
+          <p:cNvPicPr>
+            <a:picLocks noChangeAspect="1"/>
+          </p:cNvPicPr>
+          <p:nvPr/>
+        </p:nvPicPr>
+        <p:blipFill>
+          <a:blip r:embed="rId3"/>
+          <a:stretch>
+            <a:fillRect/>
+          </a:stretch>
+        </p:blipFill>
+        <p:spPr>
+          <a:xfrm>
+            <a:off x="345926" y="1402931"/>
+            <a:ext cx="11524341" cy="2533650"/>
+          </a:xfrm>
+          <a:prstGeom prst="rect">
+            <a:avLst/>
+          </a:prstGeom>
+        </p:spPr>
+      </p:pic>
+      <p:sp>
+        <p:nvSpPr>
+          <p:cNvPr id="7" name="Title 3">
+            <a:extLst>
+              <a:ext uri="{FF2B5EF4-FFF2-40B4-BE49-F238E27FC236}">
+                <a16:creationId xmlns:a16="http://schemas.microsoft.com/office/drawing/2014/main" id="{19C978EF-E452-4174-949B-F74905BED8A7}"/>
+              </a:ext>
+            </a:extLst>
+          </p:cNvPr>
+          <p:cNvSpPr txBox="1">
+            <a:spLocks/>
+          </p:cNvSpPr>
+          <p:nvPr/>
         </p:nvSpPr>
         <p:spPr>
           <a:xfrm>
             <a:off x="318051" y="0"/>
             <a:ext cx="11345333" cy="1609344"/>
           </a:xfrm>
+          <a:prstGeom prst="rect">
+            <a:avLst/>
+          </a:prstGeom>
         </p:spPr>
         <p:txBody>
-          <a:bodyPr>
+          <a:bodyPr vert="horz" lIns="91440" tIns="45720" rIns="91440" bIns="45720" rtlCol="0" anchor="ctr">
             <a:normAutofit/>
           </a:bodyPr>
-          <a:lstStyle/>
-          <a:p>
-            <a:r>
-              <a:rPr lang="en-US" sz="4000" dirty="0"/>
+          <a:lstStyle>
+            <a:lvl1pPr algn="l" defTabSz="914400" rtl="0" eaLnBrk="1" latinLnBrk="0" hangingPunct="1">
+              <a:lnSpc>
+                <a:spcPct val="90000"/>
+              </a:lnSpc>
+              <a:spcBef>
+                <a:spcPct val="0"/>
+              </a:spcBef>
+              <a:buNone/>
+              <a:defRPr sz="5400" kern="1200" cap="all" baseline="0">
+                <a:blipFill>
+                  <a:blip r:embed="rId4">
+                    <a:extLst>
+                      <a:ext uri="{28A0092B-C50C-407E-A947-70E740481C1C}">
+                        <a14:useLocalDpi xmlns:a14="http://schemas.microsoft.com/office/drawing/2010/main" val="0"/>
+                      </a:ext>
+                    </a:extLst>
+                  </a:blip>
+                  <a:tile tx="6350" ty="-127000" sx="65000" sy="64000" flip="none" algn="tl"/>
+                </a:blipFill>
+                <a:latin typeface="+mj-lt"/>
+                <a:ea typeface="+mj-ea"/>
+                <a:cs typeface="+mj-cs"/>
+              </a:defRPr>
+            </a:lvl1pPr>
+          </a:lstStyle>
+          <a:p>
+            <a:r>
+              <a:rPr lang="en-US" sz="4000"/>
               <a:t>Monte Carlo Simulation – Ralph &amp; Bob go to dinner</a:t>
             </a:r>
-          </a:p>
-        </p:txBody>
-      </p:sp>
-      <p:sp>
-        <p:nvSpPr>
-          <p:cNvPr id="5" name="Content Placeholder 4"/>
-          <p:cNvSpPr>
-            <a:spLocks noGrp="1"/>
-          </p:cNvSpPr>
-          <p:nvPr>
-            <p:ph idx="1"/>
-          </p:nvPr>
-        </p:nvSpPr>
-        <p:spPr>
-          <a:xfrm>
-            <a:off x="217797" y="1609344"/>
-            <a:ext cx="11545840" cy="4552917"/>
-          </a:xfrm>
-        </p:spPr>
-        <p:txBody>
-          <a:bodyPr>
-            <a:normAutofit fontScale="92500" lnSpcReduction="20000"/>
-          </a:bodyPr>
-          <a:lstStyle/>
-          <a:p>
-            <a:r>
-              <a:rPr lang="en-US" sz="2800" dirty="0"/>
-              <a:t>We each:</a:t>
-            </a:r>
-          </a:p>
-          <a:p>
-            <a:pPr lvl="1"/>
-            <a:r>
-              <a:rPr lang="en-US" sz="2400" dirty="0"/>
-              <a:t>Leave our desks at 5:30pm from our respective office buildings</a:t>
-            </a:r>
-          </a:p>
-          <a:p>
-            <a:pPr lvl="1"/>
-            <a:r>
-              <a:rPr lang="en-US" sz="2400" dirty="0"/>
-              <a:t>Walk to our bus stop, and get on the next bus that arrives</a:t>
-            </a:r>
-          </a:p>
-          <a:p>
-            <a:pPr lvl="1"/>
-            <a:r>
-              <a:rPr lang="en-US" sz="2400" dirty="0"/>
-              <a:t>Take the bus back to our neighborhood</a:t>
-            </a:r>
-          </a:p>
-          <a:p>
-            <a:pPr lvl="1"/>
-            <a:r>
-              <a:rPr lang="en-US" sz="2400" dirty="0"/>
-              <a:t>Walk from the neighborhood bus stop, to our homes</a:t>
-            </a:r>
-          </a:p>
-          <a:p>
-            <a:pPr lvl="1"/>
-            <a:r>
-              <a:rPr lang="en-US" sz="2400" dirty="0"/>
-              <a:t>Altogether, this takes 30 minutes on average, with a 10-minute standard deviation</a:t>
-            </a:r>
-          </a:p>
-          <a:p>
-            <a:r>
-              <a:rPr lang="en-US" sz="2800" dirty="0"/>
-              <a:t>Once we both arrive home, we will walk together to the restaurant: a 10-minute walk on average, with a 2-minute standard deviation</a:t>
-            </a:r>
-          </a:p>
-          <a:p>
-            <a:r>
-              <a:rPr lang="en-US" sz="2800" dirty="0"/>
-              <a:t>Expected Arrival Time, Based Upon Averages: 5:30pm + 30mins commute + 10mins walk = 6:10pm.  </a:t>
-            </a:r>
-            <a:r>
-              <a:rPr lang="en-US" sz="2800" b="1" i="1" u="sng" dirty="0"/>
-              <a:t>5 minutes early for our 6:15pm reservation!</a:t>
-            </a:r>
-          </a:p>
-          <a:p>
-            <a:endParaRPr lang="en-US" sz="2800" b="1" i="1" u="sng" dirty="0"/>
-          </a:p>
-          <a:p>
-            <a:r>
-              <a:rPr lang="en-US" sz="2800" dirty="0"/>
-              <a:t>https://datadrivensupplychain.shinyapps.io/restaurant_sim_app/</a:t>
-            </a:r>
+            <a:endParaRPr lang="en-US" sz="4000" dirty="0"/>
           </a:p>
         </p:txBody>
       </p:sp>
     </p:spTree>
     <p:extLst>
       <p:ext uri="{BB962C8B-B14F-4D97-AF65-F5344CB8AC3E}">
-        <p14:creationId xmlns:p14="http://schemas.microsoft.com/office/powerpoint/2010/main" val="3509381619"/>
+        <p14:creationId xmlns:p14="http://schemas.microsoft.com/office/powerpoint/2010/main" val="3677256654"/>
       </p:ext>
     </p:extLst>
   </p:cSld>
